--- a/hardware/avtomat poda4i zvonkov.pptx
+++ b/hardware/avtomat poda4i zvonkov.pptx
@@ -8842,20 +8842,21 @@
             <a:noAutofit/>
           </a:bodyPr>
           <a:p>
+            <a:pPr algn="ctr"/>
             <a:r>
-              <a:rPr b="0" lang="en-GB" sz="4400" spc="-1" strike="noStrike">
+              <a:rPr b="0" lang="en-US" sz="4400" spc="-1" strike="noStrike">
                 <a:solidFill>
-                  <a:srgbClr val="ffffff"/>
+                  <a:srgbClr val="000000"/>
                 </a:solidFill>
-                <a:latin typeface="Calibri"/>
+                <a:latin typeface="Arial"/>
               </a:rPr>
               <a:t>Click to move the slide</a:t>
             </a:r>
-            <a:endParaRPr b="0" lang="en-GB" sz="4400" spc="-1" strike="noStrike">
+            <a:endParaRPr b="0" lang="en-US" sz="4400" spc="-1" strike="noStrike">
               <a:solidFill>
-                <a:srgbClr val="ffffff"/>
+                <a:srgbClr val="000000"/>
               </a:solidFill>
-              <a:latin typeface="Calibri"/>
+              <a:latin typeface="Arial"/>
             </a:endParaRPr>
           </a:p>
         </p:txBody>
@@ -9120,7 +9121,7 @@
             <a:pPr indent="0" algn="r">
               <a:buNone/>
             </a:pPr>
-            <a:fld id="{4C915F6D-F81E-4394-A7FC-E5B8D7BAE0BB}" type="slidenum">
+            <a:fld id="{0BC3D932-C3DB-4DA5-AC85-21530C58BC08}" type="slidenum">
               <a:rPr b="0" lang="en-US" sz="1400" spc="-1" strike="noStrike">
                 <a:solidFill>
                   <a:srgbClr val="000000"/>
@@ -9163,7 +9164,7 @@
       </p:grpSpPr>
       <p:sp>
         <p:nvSpPr>
-          <p:cNvPr id="64" name="PlaceHolder 1"/>
+          <p:cNvPr id="62" name="PlaceHolder 1"/>
           <p:cNvSpPr>
             <a:spLocks noGrp="1"/>
           </p:cNvSpPr>
@@ -9174,7 +9175,7 @@
         <p:spPr>
           <a:xfrm>
             <a:off x="3884760" y="8685360"/>
-            <a:ext cx="2970000" cy="455400"/>
+            <a:ext cx="2969640" cy="455040"/>
           </a:xfrm>
           <a:prstGeom prst="rect">
             <a:avLst/>
@@ -9196,17 +9197,6 @@
               <a:buNone/>
               <a:tabLst>
                 <a:tab algn="l" pos="0"/>
-                <a:tab algn="l" pos="914400"/>
-                <a:tab algn="l" pos="1828800"/>
-                <a:tab algn="l" pos="2743200"/>
-                <a:tab algn="l" pos="3657600"/>
-                <a:tab algn="l" pos="4572000"/>
-                <a:tab algn="l" pos="5486400"/>
-                <a:tab algn="l" pos="6400800"/>
-                <a:tab algn="l" pos="7315200"/>
-                <a:tab algn="l" pos="8229600"/>
-                <a:tab algn="l" pos="9144000"/>
-                <a:tab algn="l" pos="10058400"/>
               </a:tabLst>
               <a:defRPr b="0" lang="ru-RU" sz="1200" spc="-1" strike="noStrike">
                 <a:solidFill>
@@ -9225,20 +9215,9 @@
               <a:buNone/>
               <a:tabLst>
                 <a:tab algn="l" pos="0"/>
-                <a:tab algn="l" pos="914400"/>
-                <a:tab algn="l" pos="1828800"/>
-                <a:tab algn="l" pos="2743200"/>
-                <a:tab algn="l" pos="3657600"/>
-                <a:tab algn="l" pos="4572000"/>
-                <a:tab algn="l" pos="5486400"/>
-                <a:tab algn="l" pos="6400800"/>
-                <a:tab algn="l" pos="7315200"/>
-                <a:tab algn="l" pos="8229600"/>
-                <a:tab algn="l" pos="9144000"/>
-                <a:tab algn="l" pos="10058400"/>
               </a:tabLst>
             </a:pPr>
-            <a:fld id="{78DD8676-9441-4DA9-8DFE-661CE612B119}" type="slidenum">
+            <a:fld id="{14F4345D-9BCB-4911-9A45-2A5A26018EEC}" type="slidenum">
               <a:rPr b="0" lang="ru-RU" sz="1200" spc="-1" strike="noStrike">
                 <a:solidFill>
                   <a:srgbClr val="000000"/>
@@ -9259,7 +9238,7 @@
       </p:sp>
       <p:sp>
         <p:nvSpPr>
-          <p:cNvPr id="65" name="PlaceHolder 2"/>
+          <p:cNvPr id="63" name="PlaceHolder 2"/>
           <p:cNvSpPr>
             <a:spLocks noGrp="1"/>
           </p:cNvSpPr>
@@ -9270,7 +9249,7 @@
         <p:spPr>
           <a:xfrm>
             <a:off x="1133640" y="677880"/>
-            <a:ext cx="4590720" cy="3444480"/>
+            <a:ext cx="4590360" cy="3444120"/>
           </a:xfrm>
           <a:prstGeom prst="rect">
             <a:avLst/>
@@ -9282,7 +9261,7 @@
       </p:sp>
       <p:sp>
         <p:nvSpPr>
-          <p:cNvPr id="66" name="PlaceHolder 3"/>
+          <p:cNvPr id="64" name="PlaceHolder 3"/>
           <p:cNvSpPr>
             <a:spLocks noGrp="1"/>
           </p:cNvSpPr>
@@ -9293,7 +9272,7 @@
         <p:spPr>
           <a:xfrm>
             <a:off x="685800" y="4343400"/>
-            <a:ext cx="5486040" cy="4114440"/>
+            <a:ext cx="5485680" cy="4114080"/>
           </a:xfrm>
           <a:prstGeom prst="rect">
             <a:avLst/>
@@ -9344,7 +9323,7 @@
       </p:grpSpPr>
       <p:sp>
         <p:nvSpPr>
-          <p:cNvPr id="67" name="PlaceHolder 1"/>
+          <p:cNvPr id="65" name="PlaceHolder 1"/>
           <p:cNvSpPr>
             <a:spLocks noGrp="1"/>
           </p:cNvSpPr>
@@ -9355,7 +9334,7 @@
         <p:spPr>
           <a:xfrm>
             <a:off x="3884760" y="8685360"/>
-            <a:ext cx="2970000" cy="455400"/>
+            <a:ext cx="2969640" cy="455040"/>
           </a:xfrm>
           <a:prstGeom prst="rect">
             <a:avLst/>
@@ -9377,17 +9356,6 @@
               <a:buNone/>
               <a:tabLst>
                 <a:tab algn="l" pos="0"/>
-                <a:tab algn="l" pos="914400"/>
-                <a:tab algn="l" pos="1828800"/>
-                <a:tab algn="l" pos="2743200"/>
-                <a:tab algn="l" pos="3657600"/>
-                <a:tab algn="l" pos="4572000"/>
-                <a:tab algn="l" pos="5486400"/>
-                <a:tab algn="l" pos="6400800"/>
-                <a:tab algn="l" pos="7315200"/>
-                <a:tab algn="l" pos="8229600"/>
-                <a:tab algn="l" pos="9144000"/>
-                <a:tab algn="l" pos="10058400"/>
               </a:tabLst>
               <a:defRPr b="0" lang="ru-RU" sz="1200" spc="-1" strike="noStrike">
                 <a:solidFill>
@@ -9406,20 +9374,9 @@
               <a:buNone/>
               <a:tabLst>
                 <a:tab algn="l" pos="0"/>
-                <a:tab algn="l" pos="914400"/>
-                <a:tab algn="l" pos="1828800"/>
-                <a:tab algn="l" pos="2743200"/>
-                <a:tab algn="l" pos="3657600"/>
-                <a:tab algn="l" pos="4572000"/>
-                <a:tab algn="l" pos="5486400"/>
-                <a:tab algn="l" pos="6400800"/>
-                <a:tab algn="l" pos="7315200"/>
-                <a:tab algn="l" pos="8229600"/>
-                <a:tab algn="l" pos="9144000"/>
-                <a:tab algn="l" pos="10058400"/>
               </a:tabLst>
             </a:pPr>
-            <a:fld id="{224BECE6-2AAB-4DE5-A212-7DDE1AECD163}" type="slidenum">
+            <a:fld id="{352B7AD0-CC17-491E-A9CE-8F2A11DA4EAA}" type="slidenum">
               <a:rPr b="0" lang="ru-RU" sz="1200" spc="-1" strike="noStrike">
                 <a:solidFill>
                   <a:srgbClr val="000000"/>
@@ -9440,7 +9397,7 @@
       </p:sp>
       <p:sp>
         <p:nvSpPr>
-          <p:cNvPr id="68" name="PlaceHolder 2"/>
+          <p:cNvPr id="66" name="PlaceHolder 2"/>
           <p:cNvSpPr>
             <a:spLocks noGrp="1"/>
           </p:cNvSpPr>
@@ -9451,7 +9408,7 @@
         <p:spPr>
           <a:xfrm>
             <a:off x="1133640" y="677880"/>
-            <a:ext cx="4590720" cy="3444480"/>
+            <a:ext cx="4590360" cy="3444120"/>
           </a:xfrm>
           <a:prstGeom prst="rect">
             <a:avLst/>
@@ -9463,7 +9420,7 @@
       </p:sp>
       <p:sp>
         <p:nvSpPr>
-          <p:cNvPr id="69" name="PlaceHolder 3"/>
+          <p:cNvPr id="67" name="PlaceHolder 3"/>
           <p:cNvSpPr>
             <a:spLocks noGrp="1"/>
           </p:cNvSpPr>
@@ -9474,7 +9431,7 @@
         <p:spPr>
           <a:xfrm>
             <a:off x="685800" y="4343400"/>
-            <a:ext cx="5486040" cy="4114440"/>
+            <a:ext cx="5485680" cy="4114080"/>
           </a:xfrm>
           <a:prstGeom prst="rect">
             <a:avLst/>
@@ -9525,7 +9482,7 @@
       </p:grpSpPr>
       <p:sp>
         <p:nvSpPr>
-          <p:cNvPr id="70" name="PlaceHolder 1"/>
+          <p:cNvPr id="68" name="PlaceHolder 1"/>
           <p:cNvSpPr>
             <a:spLocks noGrp="1"/>
           </p:cNvSpPr>
@@ -9536,7 +9493,7 @@
         <p:spPr>
           <a:xfrm>
             <a:off x="3884760" y="8685360"/>
-            <a:ext cx="2970000" cy="455400"/>
+            <a:ext cx="2969640" cy="455040"/>
           </a:xfrm>
           <a:prstGeom prst="rect">
             <a:avLst/>
@@ -9558,17 +9515,6 @@
               <a:buNone/>
               <a:tabLst>
                 <a:tab algn="l" pos="0"/>
-                <a:tab algn="l" pos="914400"/>
-                <a:tab algn="l" pos="1828800"/>
-                <a:tab algn="l" pos="2743200"/>
-                <a:tab algn="l" pos="3657600"/>
-                <a:tab algn="l" pos="4572000"/>
-                <a:tab algn="l" pos="5486400"/>
-                <a:tab algn="l" pos="6400800"/>
-                <a:tab algn="l" pos="7315200"/>
-                <a:tab algn="l" pos="8229600"/>
-                <a:tab algn="l" pos="9144000"/>
-                <a:tab algn="l" pos="10058400"/>
               </a:tabLst>
               <a:defRPr b="0" lang="ru-RU" sz="1200" spc="-1" strike="noStrike">
                 <a:solidFill>
@@ -9587,20 +9533,9 @@
               <a:buNone/>
               <a:tabLst>
                 <a:tab algn="l" pos="0"/>
-                <a:tab algn="l" pos="914400"/>
-                <a:tab algn="l" pos="1828800"/>
-                <a:tab algn="l" pos="2743200"/>
-                <a:tab algn="l" pos="3657600"/>
-                <a:tab algn="l" pos="4572000"/>
-                <a:tab algn="l" pos="5486400"/>
-                <a:tab algn="l" pos="6400800"/>
-                <a:tab algn="l" pos="7315200"/>
-                <a:tab algn="l" pos="8229600"/>
-                <a:tab algn="l" pos="9144000"/>
-                <a:tab algn="l" pos="10058400"/>
               </a:tabLst>
             </a:pPr>
-            <a:fld id="{BB1FC1C5-C24B-4C28-84A9-370B7701199F}" type="slidenum">
+            <a:fld id="{EED43598-A56B-4985-B6ED-B06BB41C381F}" type="slidenum">
               <a:rPr b="0" lang="ru-RU" sz="1200" spc="-1" strike="noStrike">
                 <a:solidFill>
                   <a:srgbClr val="000000"/>
@@ -9621,7 +9556,7 @@
       </p:sp>
       <p:sp>
         <p:nvSpPr>
-          <p:cNvPr id="71" name="PlaceHolder 2"/>
+          <p:cNvPr id="69" name="PlaceHolder 2"/>
           <p:cNvSpPr>
             <a:spLocks noGrp="1"/>
           </p:cNvSpPr>
@@ -9632,7 +9567,7 @@
         <p:spPr>
           <a:xfrm>
             <a:off x="1133640" y="677880"/>
-            <a:ext cx="4590720" cy="3444480"/>
+            <a:ext cx="4590360" cy="3444120"/>
           </a:xfrm>
           <a:prstGeom prst="rect">
             <a:avLst/>
@@ -9644,7 +9579,7 @@
       </p:sp>
       <p:sp>
         <p:nvSpPr>
-          <p:cNvPr id="72" name="PlaceHolder 3"/>
+          <p:cNvPr id="70" name="PlaceHolder 3"/>
           <p:cNvSpPr>
             <a:spLocks noGrp="1"/>
           </p:cNvSpPr>
@@ -9655,7 +9590,7 @@
         <p:spPr>
           <a:xfrm>
             <a:off x="685800" y="4343400"/>
-            <a:ext cx="5486040" cy="4114440"/>
+            <a:ext cx="5485680" cy="4114080"/>
           </a:xfrm>
           <a:prstGeom prst="rect">
             <a:avLst/>
@@ -9706,7 +9641,7 @@
       </p:grpSpPr>
       <p:sp>
         <p:nvSpPr>
-          <p:cNvPr id="73" name="PlaceHolder 1"/>
+          <p:cNvPr id="71" name="PlaceHolder 1"/>
           <p:cNvSpPr>
             <a:spLocks noGrp="1"/>
           </p:cNvSpPr>
@@ -9717,7 +9652,7 @@
         <p:spPr>
           <a:xfrm>
             <a:off x="1133640" y="677880"/>
-            <a:ext cx="4589280" cy="3443040"/>
+            <a:ext cx="4588920" cy="3442680"/>
           </a:xfrm>
           <a:prstGeom prst="rect">
             <a:avLst/>
@@ -9729,7 +9664,7 @@
       </p:sp>
       <p:sp>
         <p:nvSpPr>
-          <p:cNvPr id="74" name="PlaceHolder 2"/>
+          <p:cNvPr id="72" name="PlaceHolder 2"/>
           <p:cNvSpPr>
             <a:spLocks noGrp="1"/>
           </p:cNvSpPr>
@@ -9740,7 +9675,7 @@
         <p:spPr>
           <a:xfrm>
             <a:off x="685800" y="4343400"/>
-            <a:ext cx="5484600" cy="4113000"/>
+            <a:ext cx="5484240" cy="4112640"/>
           </a:xfrm>
           <a:prstGeom prst="rect">
             <a:avLst/>
@@ -9769,7 +9704,7 @@
       </p:sp>
       <p:sp>
         <p:nvSpPr>
-          <p:cNvPr id="75" name="PlaceHolder 3"/>
+          <p:cNvPr id="73" name="PlaceHolder 3"/>
           <p:cNvSpPr>
             <a:spLocks noGrp="1"/>
           </p:cNvSpPr>
@@ -9780,7 +9715,7 @@
         <p:spPr>
           <a:xfrm>
             <a:off x="3884760" y="8685360"/>
-            <a:ext cx="2970000" cy="455400"/>
+            <a:ext cx="2969640" cy="455040"/>
           </a:xfrm>
           <a:prstGeom prst="rect">
             <a:avLst/>
@@ -9802,17 +9737,6 @@
               <a:buNone/>
               <a:tabLst>
                 <a:tab algn="l" pos="0"/>
-                <a:tab algn="l" pos="914400"/>
-                <a:tab algn="l" pos="1828800"/>
-                <a:tab algn="l" pos="2743200"/>
-                <a:tab algn="l" pos="3657600"/>
-                <a:tab algn="l" pos="4572000"/>
-                <a:tab algn="l" pos="5486400"/>
-                <a:tab algn="l" pos="6400800"/>
-                <a:tab algn="l" pos="7315200"/>
-                <a:tab algn="l" pos="8229600"/>
-                <a:tab algn="l" pos="9144000"/>
-                <a:tab algn="l" pos="10058400"/>
               </a:tabLst>
               <a:defRPr b="0" lang="ru-RU" sz="1200" spc="-1" strike="noStrike">
                 <a:solidFill>
@@ -9831,20 +9755,9 @@
               <a:buNone/>
               <a:tabLst>
                 <a:tab algn="l" pos="0"/>
-                <a:tab algn="l" pos="914400"/>
-                <a:tab algn="l" pos="1828800"/>
-                <a:tab algn="l" pos="2743200"/>
-                <a:tab algn="l" pos="3657600"/>
-                <a:tab algn="l" pos="4572000"/>
-                <a:tab algn="l" pos="5486400"/>
-                <a:tab algn="l" pos="6400800"/>
-                <a:tab algn="l" pos="7315200"/>
-                <a:tab algn="l" pos="8229600"/>
-                <a:tab algn="l" pos="9144000"/>
-                <a:tab algn="l" pos="10058400"/>
               </a:tabLst>
             </a:pPr>
-            <a:fld id="{B9B4CB36-B371-43ED-A16C-1259862540CF}" type="slidenum">
+            <a:fld id="{496268E9-6201-4A57-82DE-27CF65635C1B}" type="slidenum">
               <a:rPr b="0" lang="ru-RU" sz="1200" spc="-1" strike="noStrike">
                 <a:solidFill>
                   <a:srgbClr val="000000"/>
@@ -9852,7 +9765,7 @@
                 <a:latin typeface="Calibri"/>
                 <a:ea typeface="DejaVu Sans"/>
               </a:rPr>
-              <a:t>&lt;number&gt;</a:t>
+              <a:t>4</a:t>
             </a:fld>
             <a:endParaRPr b="0" lang="en-US" sz="1200" spc="-1" strike="noStrike">
               <a:solidFill>
@@ -9887,7 +9800,7 @@
       </p:grpSpPr>
       <p:sp>
         <p:nvSpPr>
-          <p:cNvPr id="76" name="PlaceHolder 1"/>
+          <p:cNvPr id="74" name="PlaceHolder 1"/>
           <p:cNvSpPr>
             <a:spLocks noGrp="1"/>
           </p:cNvSpPr>
@@ -9898,7 +9811,7 @@
         <p:spPr>
           <a:xfrm>
             <a:off x="3884760" y="8685360"/>
-            <a:ext cx="2970000" cy="455400"/>
+            <a:ext cx="2969640" cy="455040"/>
           </a:xfrm>
           <a:prstGeom prst="rect">
             <a:avLst/>
@@ -9920,17 +9833,6 @@
               <a:buNone/>
               <a:tabLst>
                 <a:tab algn="l" pos="0"/>
-                <a:tab algn="l" pos="914400"/>
-                <a:tab algn="l" pos="1828800"/>
-                <a:tab algn="l" pos="2743200"/>
-                <a:tab algn="l" pos="3657600"/>
-                <a:tab algn="l" pos="4572000"/>
-                <a:tab algn="l" pos="5486400"/>
-                <a:tab algn="l" pos="6400800"/>
-                <a:tab algn="l" pos="7315200"/>
-                <a:tab algn="l" pos="8229600"/>
-                <a:tab algn="l" pos="9144000"/>
-                <a:tab algn="l" pos="10058400"/>
               </a:tabLst>
               <a:defRPr b="0" lang="ru-RU" sz="1200" spc="-1" strike="noStrike">
                 <a:solidFill>
@@ -9949,20 +9851,9 @@
               <a:buNone/>
               <a:tabLst>
                 <a:tab algn="l" pos="0"/>
-                <a:tab algn="l" pos="914400"/>
-                <a:tab algn="l" pos="1828800"/>
-                <a:tab algn="l" pos="2743200"/>
-                <a:tab algn="l" pos="3657600"/>
-                <a:tab algn="l" pos="4572000"/>
-                <a:tab algn="l" pos="5486400"/>
-                <a:tab algn="l" pos="6400800"/>
-                <a:tab algn="l" pos="7315200"/>
-                <a:tab algn="l" pos="8229600"/>
-                <a:tab algn="l" pos="9144000"/>
-                <a:tab algn="l" pos="10058400"/>
               </a:tabLst>
             </a:pPr>
-            <a:fld id="{50FE7B41-7F36-4FA8-8BDF-00DA6DFE57A2}" type="slidenum">
+            <a:fld id="{400F63D6-51B5-4B0A-A981-43D3C504F0D0}" type="slidenum">
               <a:rPr b="0" lang="ru-RU" sz="1200" spc="-1" strike="noStrike">
                 <a:solidFill>
                   <a:srgbClr val="000000"/>
@@ -9970,7 +9861,7 @@
                 <a:latin typeface="Calibri"/>
                 <a:ea typeface="DejaVu Sans"/>
               </a:rPr>
-              <a:t>&lt;number&gt;</a:t>
+              <a:t>4</a:t>
             </a:fld>
             <a:endParaRPr b="0" lang="en-US" sz="1200" spc="-1" strike="noStrike">
               <a:solidFill>
@@ -9983,7 +9874,7 @@
       </p:sp>
       <p:sp>
         <p:nvSpPr>
-          <p:cNvPr id="77" name="PlaceHolder 2"/>
+          <p:cNvPr id="75" name="PlaceHolder 2"/>
           <p:cNvSpPr>
             <a:spLocks noGrp="1"/>
           </p:cNvSpPr>
@@ -9994,7 +9885,7 @@
         <p:spPr>
           <a:xfrm>
             <a:off x="1133640" y="677880"/>
-            <a:ext cx="4590720" cy="3444480"/>
+            <a:ext cx="4590360" cy="3444120"/>
           </a:xfrm>
           <a:prstGeom prst="rect">
             <a:avLst/>
@@ -10006,7 +9897,7 @@
       </p:sp>
       <p:sp>
         <p:nvSpPr>
-          <p:cNvPr id="78" name="PlaceHolder 3"/>
+          <p:cNvPr id="76" name="PlaceHolder 3"/>
           <p:cNvSpPr>
             <a:spLocks noGrp="1"/>
           </p:cNvSpPr>
@@ -10017,7 +9908,7 @@
         <p:spPr>
           <a:xfrm>
             <a:off x="685800" y="4343400"/>
-            <a:ext cx="5486040" cy="4114440"/>
+            <a:ext cx="5485680" cy="4114080"/>
           </a:xfrm>
           <a:prstGeom prst="rect">
             <a:avLst/>
@@ -10068,7 +9959,7 @@
       </p:grpSpPr>
       <p:sp>
         <p:nvSpPr>
-          <p:cNvPr id="79" name="PlaceHolder 1"/>
+          <p:cNvPr id="77" name="PlaceHolder 1"/>
           <p:cNvSpPr>
             <a:spLocks noGrp="1"/>
           </p:cNvSpPr>
@@ -10079,7 +9970,7 @@
         <p:spPr>
           <a:xfrm>
             <a:off x="3884760" y="8685360"/>
-            <a:ext cx="2970000" cy="455400"/>
+            <a:ext cx="2969640" cy="455040"/>
           </a:xfrm>
           <a:prstGeom prst="rect">
             <a:avLst/>
@@ -10101,17 +9992,6 @@
               <a:buNone/>
               <a:tabLst>
                 <a:tab algn="l" pos="0"/>
-                <a:tab algn="l" pos="914400"/>
-                <a:tab algn="l" pos="1828800"/>
-                <a:tab algn="l" pos="2743200"/>
-                <a:tab algn="l" pos="3657600"/>
-                <a:tab algn="l" pos="4572000"/>
-                <a:tab algn="l" pos="5486400"/>
-                <a:tab algn="l" pos="6400800"/>
-                <a:tab algn="l" pos="7315200"/>
-                <a:tab algn="l" pos="8229600"/>
-                <a:tab algn="l" pos="9144000"/>
-                <a:tab algn="l" pos="10058400"/>
               </a:tabLst>
               <a:defRPr b="0" lang="ru-RU" sz="1200" spc="-1" strike="noStrike">
                 <a:solidFill>
@@ -10130,20 +10010,9 @@
               <a:buNone/>
               <a:tabLst>
                 <a:tab algn="l" pos="0"/>
-                <a:tab algn="l" pos="914400"/>
-                <a:tab algn="l" pos="1828800"/>
-                <a:tab algn="l" pos="2743200"/>
-                <a:tab algn="l" pos="3657600"/>
-                <a:tab algn="l" pos="4572000"/>
-                <a:tab algn="l" pos="5486400"/>
-                <a:tab algn="l" pos="6400800"/>
-                <a:tab algn="l" pos="7315200"/>
-                <a:tab algn="l" pos="8229600"/>
-                <a:tab algn="l" pos="9144000"/>
-                <a:tab algn="l" pos="10058400"/>
               </a:tabLst>
             </a:pPr>
-            <a:fld id="{A82E9A7D-8025-45EF-85B4-FA0198832A7C}" type="slidenum">
+            <a:fld id="{3B9C620F-99A8-4B04-965A-8E1A8ACF6E9B}" type="slidenum">
               <a:rPr b="0" lang="ru-RU" sz="1200" spc="-1" strike="noStrike">
                 <a:solidFill>
                   <a:srgbClr val="000000"/>
@@ -10151,7 +10020,7 @@
                 <a:latin typeface="Calibri"/>
                 <a:ea typeface="DejaVu Sans"/>
               </a:rPr>
-              <a:t>&lt;number&gt;</a:t>
+              <a:t>4</a:t>
             </a:fld>
             <a:endParaRPr b="0" lang="en-US" sz="1200" spc="-1" strike="noStrike">
               <a:solidFill>
@@ -10164,7 +10033,7 @@
       </p:sp>
       <p:sp>
         <p:nvSpPr>
-          <p:cNvPr id="80" name="PlaceHolder 2"/>
+          <p:cNvPr id="78" name="PlaceHolder 2"/>
           <p:cNvSpPr>
             <a:spLocks noGrp="1"/>
           </p:cNvSpPr>
@@ -10175,7 +10044,7 @@
         <p:spPr>
           <a:xfrm>
             <a:off x="1133640" y="677880"/>
-            <a:ext cx="4590720" cy="3444480"/>
+            <a:ext cx="4590360" cy="3444120"/>
           </a:xfrm>
           <a:prstGeom prst="rect">
             <a:avLst/>
@@ -10187,7 +10056,7 @@
       </p:sp>
       <p:sp>
         <p:nvSpPr>
-          <p:cNvPr id="81" name="PlaceHolder 3"/>
+          <p:cNvPr id="79" name="PlaceHolder 3"/>
           <p:cNvSpPr>
             <a:spLocks noGrp="1"/>
           </p:cNvSpPr>
@@ -10198,7 +10067,7 @@
         <p:spPr>
           <a:xfrm>
             <a:off x="685800" y="4343400"/>
-            <a:ext cx="5486040" cy="4114440"/>
+            <a:ext cx="5485680" cy="4114080"/>
           </a:xfrm>
           <a:prstGeom prst="rect">
             <a:avLst/>
@@ -10249,7 +10118,7 @@
       </p:grpSpPr>
       <p:sp>
         <p:nvSpPr>
-          <p:cNvPr id="82" name="PlaceHolder 1"/>
+          <p:cNvPr id="80" name="PlaceHolder 1"/>
           <p:cNvSpPr>
             <a:spLocks noGrp="1"/>
           </p:cNvSpPr>
@@ -10260,7 +10129,7 @@
         <p:spPr>
           <a:xfrm>
             <a:off x="3884760" y="8685360"/>
-            <a:ext cx="2970000" cy="455400"/>
+            <a:ext cx="2969640" cy="455040"/>
           </a:xfrm>
           <a:prstGeom prst="rect">
             <a:avLst/>
@@ -10282,17 +10151,6 @@
               <a:buNone/>
               <a:tabLst>
                 <a:tab algn="l" pos="0"/>
-                <a:tab algn="l" pos="914400"/>
-                <a:tab algn="l" pos="1828800"/>
-                <a:tab algn="l" pos="2743200"/>
-                <a:tab algn="l" pos="3657600"/>
-                <a:tab algn="l" pos="4572000"/>
-                <a:tab algn="l" pos="5486400"/>
-                <a:tab algn="l" pos="6400800"/>
-                <a:tab algn="l" pos="7315200"/>
-                <a:tab algn="l" pos="8229600"/>
-                <a:tab algn="l" pos="9144000"/>
-                <a:tab algn="l" pos="10058400"/>
               </a:tabLst>
               <a:defRPr b="0" lang="ru-RU" sz="1200" spc="-1" strike="noStrike">
                 <a:solidFill>
@@ -10311,20 +10169,9 @@
               <a:buNone/>
               <a:tabLst>
                 <a:tab algn="l" pos="0"/>
-                <a:tab algn="l" pos="914400"/>
-                <a:tab algn="l" pos="1828800"/>
-                <a:tab algn="l" pos="2743200"/>
-                <a:tab algn="l" pos="3657600"/>
-                <a:tab algn="l" pos="4572000"/>
-                <a:tab algn="l" pos="5486400"/>
-                <a:tab algn="l" pos="6400800"/>
-                <a:tab algn="l" pos="7315200"/>
-                <a:tab algn="l" pos="8229600"/>
-                <a:tab algn="l" pos="9144000"/>
-                <a:tab algn="l" pos="10058400"/>
               </a:tabLst>
             </a:pPr>
-            <a:fld id="{E94F1B03-870B-4D39-B563-D7B6EEE09546}" type="slidenum">
+            <a:fld id="{DADF7BB7-84D4-45CF-ACF6-CBBE9C51E138}" type="slidenum">
               <a:rPr b="0" lang="ru-RU" sz="1200" spc="-1" strike="noStrike">
                 <a:solidFill>
                   <a:srgbClr val="000000"/>
@@ -10345,7 +10192,7 @@
       </p:sp>
       <p:sp>
         <p:nvSpPr>
-          <p:cNvPr id="83" name="PlaceHolder 2"/>
+          <p:cNvPr id="81" name="PlaceHolder 2"/>
           <p:cNvSpPr>
             <a:spLocks noGrp="1"/>
           </p:cNvSpPr>
@@ -10356,7 +10203,7 @@
         <p:spPr>
           <a:xfrm>
             <a:off x="1143000" y="685800"/>
-            <a:ext cx="4571640" cy="3428640"/>
+            <a:ext cx="4571280" cy="3428280"/>
           </a:xfrm>
           <a:prstGeom prst="rect">
             <a:avLst/>
@@ -10368,7 +10215,7 @@
       </p:sp>
       <p:sp>
         <p:nvSpPr>
-          <p:cNvPr id="84" name="PlaceHolder 3"/>
+          <p:cNvPr id="82" name="PlaceHolder 3"/>
           <p:cNvSpPr>
             <a:spLocks noGrp="1"/>
           </p:cNvSpPr>
@@ -10379,7 +10226,7 @@
         <p:spPr>
           <a:xfrm>
             <a:off x="685800" y="4343400"/>
-            <a:ext cx="5486040" cy="4114440"/>
+            <a:ext cx="5485680" cy="4114080"/>
           </a:xfrm>
           <a:prstGeom prst="rect">
             <a:avLst/>
@@ -10408,14 +10255,14 @@
       </p:sp>
       <p:sp>
         <p:nvSpPr>
-          <p:cNvPr id="85" name="Text Box 3"/>
+          <p:cNvPr id="83" name="Text Box 3"/>
           <p:cNvSpPr/>
           <p:nvPr/>
         </p:nvSpPr>
         <p:spPr>
           <a:xfrm>
             <a:off x="3884760" y="8685360"/>
-            <a:ext cx="2971440" cy="456840"/>
+            <a:ext cx="2971080" cy="456480"/>
           </a:xfrm>
           <a:prstGeom prst="rect">
             <a:avLst/>
@@ -10455,7 +10302,7 @@
                 <a:tab algn="l" pos="10058400"/>
               </a:tabLst>
             </a:pPr>
-            <a:fld id="{90EDCD88-A833-49BA-80DE-B3C54758116D}" type="slidenum">
+            <a:fld id="{1D89D5AF-50D1-40C6-B2C6-F85233811473}" type="slidenum">
               <a:rPr b="0" lang="ru-RU" sz="1200" spc="-1" strike="noStrike">
                 <a:solidFill>
                   <a:srgbClr val="000000"/>
@@ -10503,14 +10350,14 @@
             <a:spLocks noGrp="1"/>
           </p:cNvSpPr>
           <p:nvPr>
-            <p:ph type="sldNum" idx="2"/>
+            <p:ph type="sldNum" idx="1"/>
           </p:nvPr>
         </p:nvSpPr>
         <p:spPr/>
         <p:txBody>
           <a:bodyPr/>
           <a:p>
-            <a:fld id="{3033C893-E7AF-485F-993D-7A0C28F2D0C0}" type="slidenum">
+            <a:fld id="{E7ABD9FC-B871-4F87-B452-BCC9BA2A53A4}" type="slidenum">
               <a:t>&lt;#&gt;</a:t>
             </a:fld>
           </a:p>
@@ -10523,7 +10370,7 @@
             <a:spLocks noGrp="1"/>
           </p:cNvSpPr>
           <p:nvPr>
-            <p:ph type="dt" idx="1"/>
+            <p:ph type="dt" idx="2"/>
           </p:nvPr>
         </p:nvSpPr>
         <p:spPr/>
@@ -10587,14 +10434,14 @@
             <a:noAutofit/>
           </a:bodyPr>
           <a:p>
-            <a:pPr indent="0">
+            <a:pPr indent="0" algn="ctr">
               <a:buNone/>
             </a:pPr>
-            <a:endParaRPr b="0" lang="en-GB" sz="4400" spc="-1" strike="noStrike">
+            <a:endParaRPr b="0" lang="en-US" sz="4400" spc="-1" strike="noStrike">
               <a:solidFill>
-                <a:srgbClr val="ffffff"/>
+                <a:srgbClr val="000000"/>
               </a:solidFill>
-              <a:latin typeface="Calibri"/>
+              <a:latin typeface="Arial"/>
             </a:endParaRPr>
           </a:p>
         </p:txBody>
@@ -10633,11 +10480,11 @@
               </a:spcBef>
               <a:buNone/>
             </a:pPr>
-            <a:endParaRPr b="0" lang="en-GB" sz="3200" spc="-1" strike="noStrike">
+            <a:endParaRPr b="0" lang="en-US" sz="3200" spc="-1" strike="noStrike">
               <a:solidFill>
                 <a:srgbClr val="000000"/>
               </a:solidFill>
-              <a:latin typeface="Calibri"/>
+              <a:latin typeface="Arial"/>
             </a:endParaRPr>
           </a:p>
         </p:txBody>
@@ -10676,11 +10523,11 @@
               </a:spcBef>
               <a:buNone/>
             </a:pPr>
-            <a:endParaRPr b="0" lang="en-GB" sz="3200" spc="-1" strike="noStrike">
+            <a:endParaRPr b="0" lang="en-US" sz="3200" spc="-1" strike="noStrike">
               <a:solidFill>
                 <a:srgbClr val="000000"/>
               </a:solidFill>
-              <a:latin typeface="Calibri"/>
+              <a:latin typeface="Arial"/>
             </a:endParaRPr>
           </a:p>
         </p:txBody>
@@ -10692,14 +10539,14 @@
             <a:spLocks noGrp="1"/>
           </p:cNvSpPr>
           <p:nvPr>
-            <p:ph type="sldNum" idx="2"/>
+            <p:ph type="sldNum" idx="1"/>
           </p:nvPr>
         </p:nvSpPr>
         <p:spPr/>
         <p:txBody>
           <a:bodyPr/>
           <a:p>
-            <a:fld id="{8C344D06-1906-4A96-B096-F38F474D0000}" type="slidenum">
+            <a:fld id="{895E7C04-9A63-4353-B63B-60ECF7DBA1F6}" type="slidenum">
               <a:t>&lt;#&gt;</a:t>
             </a:fld>
           </a:p>
@@ -10712,7 +10559,7 @@
             <a:spLocks noGrp="1"/>
           </p:cNvSpPr>
           <p:nvPr>
-            <p:ph type="dt" idx="1"/>
+            <p:ph type="dt" idx="2"/>
           </p:nvPr>
         </p:nvSpPr>
         <p:spPr/>
@@ -10776,14 +10623,14 @@
             <a:noAutofit/>
           </a:bodyPr>
           <a:p>
-            <a:pPr indent="0">
+            <a:pPr indent="0" algn="ctr">
               <a:buNone/>
             </a:pPr>
-            <a:endParaRPr b="0" lang="en-GB" sz="4400" spc="-1" strike="noStrike">
+            <a:endParaRPr b="0" lang="en-US" sz="4400" spc="-1" strike="noStrike">
               <a:solidFill>
-                <a:srgbClr val="ffffff"/>
+                <a:srgbClr val="000000"/>
               </a:solidFill>
-              <a:latin typeface="Calibri"/>
+              <a:latin typeface="Arial"/>
             </a:endParaRPr>
           </a:p>
         </p:txBody>
@@ -10822,11 +10669,11 @@
               </a:spcBef>
               <a:buNone/>
             </a:pPr>
-            <a:endParaRPr b="0" lang="en-GB" sz="3200" spc="-1" strike="noStrike">
+            <a:endParaRPr b="0" lang="en-US" sz="3200" spc="-1" strike="noStrike">
               <a:solidFill>
                 <a:srgbClr val="000000"/>
               </a:solidFill>
-              <a:latin typeface="Calibri"/>
+              <a:latin typeface="Arial"/>
             </a:endParaRPr>
           </a:p>
         </p:txBody>
@@ -10865,11 +10712,11 @@
               </a:spcBef>
               <a:buNone/>
             </a:pPr>
-            <a:endParaRPr b="0" lang="en-GB" sz="3200" spc="-1" strike="noStrike">
+            <a:endParaRPr b="0" lang="en-US" sz="3200" spc="-1" strike="noStrike">
               <a:solidFill>
                 <a:srgbClr val="000000"/>
               </a:solidFill>
-              <a:latin typeface="Calibri"/>
+              <a:latin typeface="Arial"/>
             </a:endParaRPr>
           </a:p>
         </p:txBody>
@@ -10908,11 +10755,11 @@
               </a:spcBef>
               <a:buNone/>
             </a:pPr>
-            <a:endParaRPr b="0" lang="en-GB" sz="3200" spc="-1" strike="noStrike">
+            <a:endParaRPr b="0" lang="en-US" sz="3200" spc="-1" strike="noStrike">
               <a:solidFill>
                 <a:srgbClr val="000000"/>
               </a:solidFill>
-              <a:latin typeface="Calibri"/>
+              <a:latin typeface="Arial"/>
             </a:endParaRPr>
           </a:p>
         </p:txBody>
@@ -10951,11 +10798,11 @@
               </a:spcBef>
               <a:buNone/>
             </a:pPr>
-            <a:endParaRPr b="0" lang="en-GB" sz="3200" spc="-1" strike="noStrike">
+            <a:endParaRPr b="0" lang="en-US" sz="3200" spc="-1" strike="noStrike">
               <a:solidFill>
                 <a:srgbClr val="000000"/>
               </a:solidFill>
-              <a:latin typeface="Calibri"/>
+              <a:latin typeface="Arial"/>
             </a:endParaRPr>
           </a:p>
         </p:txBody>
@@ -10967,14 +10814,14 @@
             <a:spLocks noGrp="1"/>
           </p:cNvSpPr>
           <p:nvPr>
-            <p:ph type="sldNum" idx="2"/>
+            <p:ph type="sldNum" idx="1"/>
           </p:nvPr>
         </p:nvSpPr>
         <p:spPr/>
         <p:txBody>
           <a:bodyPr/>
           <a:p>
-            <a:fld id="{EE6BADE4-EEFB-4BDE-B2B4-DA12B3E60760}" type="slidenum">
+            <a:fld id="{FFDB6EAD-8FED-4D37-9244-877308259BB0}" type="slidenum">
               <a:t>&lt;#&gt;</a:t>
             </a:fld>
           </a:p>
@@ -10987,7 +10834,7 @@
             <a:spLocks noGrp="1"/>
           </p:cNvSpPr>
           <p:nvPr>
-            <p:ph type="dt" idx="1"/>
+            <p:ph type="dt" idx="2"/>
           </p:nvPr>
         </p:nvSpPr>
         <p:spPr/>
@@ -11051,14 +10898,14 @@
             <a:noAutofit/>
           </a:bodyPr>
           <a:p>
-            <a:pPr indent="0">
+            <a:pPr indent="0" algn="ctr">
               <a:buNone/>
             </a:pPr>
-            <a:endParaRPr b="0" lang="en-GB" sz="4400" spc="-1" strike="noStrike">
+            <a:endParaRPr b="0" lang="en-US" sz="4400" spc="-1" strike="noStrike">
               <a:solidFill>
-                <a:srgbClr val="ffffff"/>
+                <a:srgbClr val="000000"/>
               </a:solidFill>
-              <a:latin typeface="Calibri"/>
+              <a:latin typeface="Arial"/>
             </a:endParaRPr>
           </a:p>
         </p:txBody>
@@ -11097,11 +10944,11 @@
               </a:spcBef>
               <a:buNone/>
             </a:pPr>
-            <a:endParaRPr b="0" lang="en-GB" sz="3200" spc="-1" strike="noStrike">
+            <a:endParaRPr b="0" lang="en-US" sz="3200" spc="-1" strike="noStrike">
               <a:solidFill>
                 <a:srgbClr val="000000"/>
               </a:solidFill>
-              <a:latin typeface="Calibri"/>
+              <a:latin typeface="Arial"/>
             </a:endParaRPr>
           </a:p>
         </p:txBody>
@@ -11140,11 +10987,11 @@
               </a:spcBef>
               <a:buNone/>
             </a:pPr>
-            <a:endParaRPr b="0" lang="en-GB" sz="3200" spc="-1" strike="noStrike">
+            <a:endParaRPr b="0" lang="en-US" sz="3200" spc="-1" strike="noStrike">
               <a:solidFill>
                 <a:srgbClr val="000000"/>
               </a:solidFill>
-              <a:latin typeface="Calibri"/>
+              <a:latin typeface="Arial"/>
             </a:endParaRPr>
           </a:p>
         </p:txBody>
@@ -11183,11 +11030,11 @@
               </a:spcBef>
               <a:buNone/>
             </a:pPr>
-            <a:endParaRPr b="0" lang="en-GB" sz="3200" spc="-1" strike="noStrike">
+            <a:endParaRPr b="0" lang="en-US" sz="3200" spc="-1" strike="noStrike">
               <a:solidFill>
                 <a:srgbClr val="000000"/>
               </a:solidFill>
-              <a:latin typeface="Calibri"/>
+              <a:latin typeface="Arial"/>
             </a:endParaRPr>
           </a:p>
         </p:txBody>
@@ -11226,11 +11073,11 @@
               </a:spcBef>
               <a:buNone/>
             </a:pPr>
-            <a:endParaRPr b="0" lang="en-GB" sz="3200" spc="-1" strike="noStrike">
+            <a:endParaRPr b="0" lang="en-US" sz="3200" spc="-1" strike="noStrike">
               <a:solidFill>
                 <a:srgbClr val="000000"/>
               </a:solidFill>
-              <a:latin typeface="Calibri"/>
+              <a:latin typeface="Arial"/>
             </a:endParaRPr>
           </a:p>
         </p:txBody>
@@ -11269,11 +11116,11 @@
               </a:spcBef>
               <a:buNone/>
             </a:pPr>
-            <a:endParaRPr b="0" lang="en-GB" sz="3200" spc="-1" strike="noStrike">
+            <a:endParaRPr b="0" lang="en-US" sz="3200" spc="-1" strike="noStrike">
               <a:solidFill>
                 <a:srgbClr val="000000"/>
               </a:solidFill>
-              <a:latin typeface="Calibri"/>
+              <a:latin typeface="Arial"/>
             </a:endParaRPr>
           </a:p>
         </p:txBody>
@@ -11312,11 +11159,11 @@
               </a:spcBef>
               <a:buNone/>
             </a:pPr>
-            <a:endParaRPr b="0" lang="en-GB" sz="3200" spc="-1" strike="noStrike">
+            <a:endParaRPr b="0" lang="en-US" sz="3200" spc="-1" strike="noStrike">
               <a:solidFill>
                 <a:srgbClr val="000000"/>
               </a:solidFill>
-              <a:latin typeface="Calibri"/>
+              <a:latin typeface="Arial"/>
             </a:endParaRPr>
           </a:p>
         </p:txBody>
@@ -11328,14 +11175,14 @@
             <a:spLocks noGrp="1"/>
           </p:cNvSpPr>
           <p:nvPr>
-            <p:ph type="sldNum" idx="2"/>
+            <p:ph type="sldNum" idx="1"/>
           </p:nvPr>
         </p:nvSpPr>
         <p:spPr/>
         <p:txBody>
           <a:bodyPr/>
           <a:p>
-            <a:fld id="{3EB27E40-925A-4876-8733-E7005D0AC4B7}" type="slidenum">
+            <a:fld id="{B3B98BF5-706B-40F9-8058-3694BF31F01E}" type="slidenum">
               <a:t>&lt;#&gt;</a:t>
             </a:fld>
           </a:p>
@@ -11348,7 +11195,7 @@
             <a:spLocks noGrp="1"/>
           </p:cNvSpPr>
           <p:nvPr>
-            <p:ph type="dt" idx="1"/>
+            <p:ph type="dt" idx="2"/>
           </p:nvPr>
         </p:nvSpPr>
         <p:spPr/>
@@ -11412,14 +11259,14 @@
             <a:noAutofit/>
           </a:bodyPr>
           <a:p>
-            <a:pPr indent="0">
+            <a:pPr indent="0" algn="ctr">
               <a:buNone/>
             </a:pPr>
-            <a:endParaRPr b="0" lang="en-GB" sz="4400" spc="-1" strike="noStrike">
+            <a:endParaRPr b="0" lang="en-US" sz="4400" spc="-1" strike="noStrike">
               <a:solidFill>
-                <a:srgbClr val="ffffff"/>
+                <a:srgbClr val="000000"/>
               </a:solidFill>
-              <a:latin typeface="Calibri"/>
+              <a:latin typeface="Arial"/>
             </a:endParaRPr>
           </a:p>
         </p:txBody>
@@ -11471,14 +11318,14 @@
             <a:spLocks noGrp="1"/>
           </p:cNvSpPr>
           <p:nvPr>
-            <p:ph type="sldNum" idx="2"/>
+            <p:ph type="sldNum" idx="1"/>
           </p:nvPr>
         </p:nvSpPr>
         <p:spPr/>
         <p:txBody>
           <a:bodyPr/>
           <a:p>
-            <a:fld id="{C2C53FA2-2D2D-4D2C-A8E2-7B7F070381FB}" type="slidenum">
+            <a:fld id="{69808A6C-CE52-4F09-BDC6-D9E344F10384}" type="slidenum">
               <a:t>&lt;#&gt;</a:t>
             </a:fld>
           </a:p>
@@ -11491,7 +11338,7 @@
             <a:spLocks noGrp="1"/>
           </p:cNvSpPr>
           <p:nvPr>
-            <p:ph type="dt" idx="1"/>
+            <p:ph type="dt" idx="2"/>
           </p:nvPr>
         </p:nvSpPr>
         <p:spPr/>
@@ -11555,14 +11402,14 @@
             <a:noAutofit/>
           </a:bodyPr>
           <a:p>
-            <a:pPr indent="0">
+            <a:pPr indent="0" algn="ctr">
               <a:buNone/>
             </a:pPr>
-            <a:endParaRPr b="0" lang="en-GB" sz="4400" spc="-1" strike="noStrike">
+            <a:endParaRPr b="0" lang="en-US" sz="4400" spc="-1" strike="noStrike">
               <a:solidFill>
-                <a:srgbClr val="ffffff"/>
+                <a:srgbClr val="000000"/>
               </a:solidFill>
-              <a:latin typeface="Calibri"/>
+              <a:latin typeface="Arial"/>
             </a:endParaRPr>
           </a:p>
         </p:txBody>
@@ -11601,11 +11448,11 @@
               </a:spcBef>
               <a:buNone/>
             </a:pPr>
-            <a:endParaRPr b="0" lang="en-GB" sz="3200" spc="-1" strike="noStrike">
+            <a:endParaRPr b="0" lang="en-US" sz="3200" spc="-1" strike="noStrike">
               <a:solidFill>
                 <a:srgbClr val="000000"/>
               </a:solidFill>
-              <a:latin typeface="Calibri"/>
+              <a:latin typeface="Arial"/>
             </a:endParaRPr>
           </a:p>
         </p:txBody>
@@ -11617,14 +11464,14 @@
             <a:spLocks noGrp="1"/>
           </p:cNvSpPr>
           <p:nvPr>
-            <p:ph type="sldNum" idx="2"/>
+            <p:ph type="sldNum" idx="1"/>
           </p:nvPr>
         </p:nvSpPr>
         <p:spPr/>
         <p:txBody>
           <a:bodyPr/>
           <a:p>
-            <a:fld id="{CD047863-10A8-4341-BE2A-E3C3F46B57A0}" type="slidenum">
+            <a:fld id="{5D7EFF6B-741F-450E-9EB2-74E545E96B00}" type="slidenum">
               <a:t>&lt;#&gt;</a:t>
             </a:fld>
           </a:p>
@@ -11637,7 +11484,7 @@
             <a:spLocks noGrp="1"/>
           </p:cNvSpPr>
           <p:nvPr>
-            <p:ph type="dt" idx="1"/>
+            <p:ph type="dt" idx="2"/>
           </p:nvPr>
         </p:nvSpPr>
         <p:spPr/>
@@ -11701,14 +11548,14 @@
             <a:noAutofit/>
           </a:bodyPr>
           <a:p>
-            <a:pPr indent="0">
+            <a:pPr indent="0" algn="ctr">
               <a:buNone/>
             </a:pPr>
-            <a:endParaRPr b="0" lang="en-GB" sz="4400" spc="-1" strike="noStrike">
+            <a:endParaRPr b="0" lang="en-US" sz="4400" spc="-1" strike="noStrike">
               <a:solidFill>
-                <a:srgbClr val="ffffff"/>
+                <a:srgbClr val="000000"/>
               </a:solidFill>
-              <a:latin typeface="Calibri"/>
+              <a:latin typeface="Arial"/>
             </a:endParaRPr>
           </a:p>
         </p:txBody>
@@ -11747,11 +11594,11 @@
               </a:spcBef>
               <a:buNone/>
             </a:pPr>
-            <a:endParaRPr b="0" lang="en-GB" sz="3200" spc="-1" strike="noStrike">
+            <a:endParaRPr b="0" lang="en-US" sz="3200" spc="-1" strike="noStrike">
               <a:solidFill>
                 <a:srgbClr val="000000"/>
               </a:solidFill>
-              <a:latin typeface="Calibri"/>
+              <a:latin typeface="Arial"/>
             </a:endParaRPr>
           </a:p>
         </p:txBody>
@@ -11790,11 +11637,11 @@
               </a:spcBef>
               <a:buNone/>
             </a:pPr>
-            <a:endParaRPr b="0" lang="en-GB" sz="3200" spc="-1" strike="noStrike">
+            <a:endParaRPr b="0" lang="en-US" sz="3200" spc="-1" strike="noStrike">
               <a:solidFill>
                 <a:srgbClr val="000000"/>
               </a:solidFill>
-              <a:latin typeface="Calibri"/>
+              <a:latin typeface="Arial"/>
             </a:endParaRPr>
           </a:p>
         </p:txBody>
@@ -11806,14 +11653,14 @@
             <a:spLocks noGrp="1"/>
           </p:cNvSpPr>
           <p:nvPr>
-            <p:ph type="sldNum" idx="2"/>
+            <p:ph type="sldNum" idx="1"/>
           </p:nvPr>
         </p:nvSpPr>
         <p:spPr/>
         <p:txBody>
           <a:bodyPr/>
           <a:p>
-            <a:fld id="{E212E0A2-5764-4F0C-AC72-9DA0D3B64499}" type="slidenum">
+            <a:fld id="{984F4D33-4B94-4E6E-AB13-E160CEF9C0BE}" type="slidenum">
               <a:t>&lt;#&gt;</a:t>
             </a:fld>
           </a:p>
@@ -11826,7 +11673,7 @@
             <a:spLocks noGrp="1"/>
           </p:cNvSpPr>
           <p:nvPr>
-            <p:ph type="dt" idx="1"/>
+            <p:ph type="dt" idx="2"/>
           </p:nvPr>
         </p:nvSpPr>
         <p:spPr/>
@@ -11890,14 +11737,14 @@
             <a:noAutofit/>
           </a:bodyPr>
           <a:p>
-            <a:pPr indent="0">
+            <a:pPr indent="0" algn="ctr">
               <a:buNone/>
             </a:pPr>
-            <a:endParaRPr b="0" lang="en-GB" sz="4400" spc="-1" strike="noStrike">
+            <a:endParaRPr b="0" lang="en-US" sz="4400" spc="-1" strike="noStrike">
               <a:solidFill>
-                <a:srgbClr val="ffffff"/>
+                <a:srgbClr val="000000"/>
               </a:solidFill>
-              <a:latin typeface="Calibri"/>
+              <a:latin typeface="Arial"/>
             </a:endParaRPr>
           </a:p>
         </p:txBody>
@@ -11909,14 +11756,14 @@
             <a:spLocks noGrp="1"/>
           </p:cNvSpPr>
           <p:nvPr>
-            <p:ph type="sldNum" idx="2"/>
+            <p:ph type="sldNum" idx="1"/>
           </p:nvPr>
         </p:nvSpPr>
         <p:spPr/>
         <p:txBody>
           <a:bodyPr/>
           <a:p>
-            <a:fld id="{536AC6BF-D4BB-4472-BD90-19E19ABE9DE0}" type="slidenum">
+            <a:fld id="{0E8D017D-FD15-4630-B0F5-7E82152F6F0E}" type="slidenum">
               <a:t>&lt;#&gt;</a:t>
             </a:fld>
           </a:p>
@@ -11929,7 +11776,7 @@
             <a:spLocks noGrp="1"/>
           </p:cNvSpPr>
           <p:nvPr>
-            <p:ph type="dt" idx="1"/>
+            <p:ph type="dt" idx="2"/>
           </p:nvPr>
         </p:nvSpPr>
         <p:spPr/>
@@ -12010,14 +11857,14 @@
             <a:spLocks noGrp="1"/>
           </p:cNvSpPr>
           <p:nvPr>
-            <p:ph type="sldNum" idx="2"/>
+            <p:ph type="sldNum" idx="1"/>
           </p:nvPr>
         </p:nvSpPr>
         <p:spPr/>
         <p:txBody>
           <a:bodyPr/>
           <a:p>
-            <a:fld id="{4ED565C2-F300-4361-81F3-47E5D27C2E2D}" type="slidenum">
+            <a:fld id="{3186967D-F288-4A73-9DA5-706A27058A47}" type="slidenum">
               <a:t>&lt;#&gt;</a:t>
             </a:fld>
           </a:p>
@@ -12030,7 +11877,7 @@
             <a:spLocks noGrp="1"/>
           </p:cNvSpPr>
           <p:nvPr>
-            <p:ph type="dt" idx="1"/>
+            <p:ph type="dt" idx="2"/>
           </p:nvPr>
         </p:nvSpPr>
         <p:spPr/>
@@ -12094,14 +11941,14 @@
             <a:noAutofit/>
           </a:bodyPr>
           <a:p>
-            <a:pPr indent="0">
+            <a:pPr indent="0" algn="ctr">
               <a:buNone/>
             </a:pPr>
-            <a:endParaRPr b="0" lang="en-GB" sz="4400" spc="-1" strike="noStrike">
+            <a:endParaRPr b="0" lang="en-US" sz="4400" spc="-1" strike="noStrike">
               <a:solidFill>
-                <a:srgbClr val="ffffff"/>
+                <a:srgbClr val="000000"/>
               </a:solidFill>
-              <a:latin typeface="Calibri"/>
+              <a:latin typeface="Arial"/>
             </a:endParaRPr>
           </a:p>
         </p:txBody>
@@ -12140,11 +11987,11 @@
               </a:spcBef>
               <a:buNone/>
             </a:pPr>
-            <a:endParaRPr b="0" lang="en-GB" sz="3200" spc="-1" strike="noStrike">
+            <a:endParaRPr b="0" lang="en-US" sz="3200" spc="-1" strike="noStrike">
               <a:solidFill>
                 <a:srgbClr val="000000"/>
               </a:solidFill>
-              <a:latin typeface="Calibri"/>
+              <a:latin typeface="Arial"/>
             </a:endParaRPr>
           </a:p>
         </p:txBody>
@@ -12183,11 +12030,11 @@
               </a:spcBef>
               <a:buNone/>
             </a:pPr>
-            <a:endParaRPr b="0" lang="en-GB" sz="3200" spc="-1" strike="noStrike">
+            <a:endParaRPr b="0" lang="en-US" sz="3200" spc="-1" strike="noStrike">
               <a:solidFill>
                 <a:srgbClr val="000000"/>
               </a:solidFill>
-              <a:latin typeface="Calibri"/>
+              <a:latin typeface="Arial"/>
             </a:endParaRPr>
           </a:p>
         </p:txBody>
@@ -12226,11 +12073,11 @@
               </a:spcBef>
               <a:buNone/>
             </a:pPr>
-            <a:endParaRPr b="0" lang="en-GB" sz="3200" spc="-1" strike="noStrike">
+            <a:endParaRPr b="0" lang="en-US" sz="3200" spc="-1" strike="noStrike">
               <a:solidFill>
                 <a:srgbClr val="000000"/>
               </a:solidFill>
-              <a:latin typeface="Calibri"/>
+              <a:latin typeface="Arial"/>
             </a:endParaRPr>
           </a:p>
         </p:txBody>
@@ -12242,14 +12089,14 @@
             <a:spLocks noGrp="1"/>
           </p:cNvSpPr>
           <p:nvPr>
-            <p:ph type="sldNum" idx="2"/>
+            <p:ph type="sldNum" idx="1"/>
           </p:nvPr>
         </p:nvSpPr>
         <p:spPr/>
         <p:txBody>
           <a:bodyPr/>
           <a:p>
-            <a:fld id="{180D58DE-01A7-4ADD-83A5-0AAC6BDD1473}" type="slidenum">
+            <a:fld id="{C7F524A3-0F51-4C48-B451-CD693310B062}" type="slidenum">
               <a:t>&lt;#&gt;</a:t>
             </a:fld>
           </a:p>
@@ -12262,7 +12109,7 @@
             <a:spLocks noGrp="1"/>
           </p:cNvSpPr>
           <p:nvPr>
-            <p:ph type="dt" idx="1"/>
+            <p:ph type="dt" idx="2"/>
           </p:nvPr>
         </p:nvSpPr>
         <p:spPr/>
@@ -12326,14 +12173,14 @@
             <a:noAutofit/>
           </a:bodyPr>
           <a:p>
-            <a:pPr indent="0">
+            <a:pPr indent="0" algn="ctr">
               <a:buNone/>
             </a:pPr>
-            <a:endParaRPr b="0" lang="en-GB" sz="4400" spc="-1" strike="noStrike">
+            <a:endParaRPr b="0" lang="en-US" sz="4400" spc="-1" strike="noStrike">
               <a:solidFill>
-                <a:srgbClr val="ffffff"/>
+                <a:srgbClr val="000000"/>
               </a:solidFill>
-              <a:latin typeface="Calibri"/>
+              <a:latin typeface="Arial"/>
             </a:endParaRPr>
           </a:p>
         </p:txBody>
@@ -12372,11 +12219,11 @@
               </a:spcBef>
               <a:buNone/>
             </a:pPr>
-            <a:endParaRPr b="0" lang="en-GB" sz="3200" spc="-1" strike="noStrike">
+            <a:endParaRPr b="0" lang="en-US" sz="3200" spc="-1" strike="noStrike">
               <a:solidFill>
                 <a:srgbClr val="000000"/>
               </a:solidFill>
-              <a:latin typeface="Calibri"/>
+              <a:latin typeface="Arial"/>
             </a:endParaRPr>
           </a:p>
         </p:txBody>
@@ -12415,11 +12262,11 @@
               </a:spcBef>
               <a:buNone/>
             </a:pPr>
-            <a:endParaRPr b="0" lang="en-GB" sz="3200" spc="-1" strike="noStrike">
+            <a:endParaRPr b="0" lang="en-US" sz="3200" spc="-1" strike="noStrike">
               <a:solidFill>
                 <a:srgbClr val="000000"/>
               </a:solidFill>
-              <a:latin typeface="Calibri"/>
+              <a:latin typeface="Arial"/>
             </a:endParaRPr>
           </a:p>
         </p:txBody>
@@ -12458,11 +12305,11 @@
               </a:spcBef>
               <a:buNone/>
             </a:pPr>
-            <a:endParaRPr b="0" lang="en-GB" sz="3200" spc="-1" strike="noStrike">
+            <a:endParaRPr b="0" lang="en-US" sz="3200" spc="-1" strike="noStrike">
               <a:solidFill>
                 <a:srgbClr val="000000"/>
               </a:solidFill>
-              <a:latin typeface="Calibri"/>
+              <a:latin typeface="Arial"/>
             </a:endParaRPr>
           </a:p>
         </p:txBody>
@@ -12474,14 +12321,14 @@
             <a:spLocks noGrp="1"/>
           </p:cNvSpPr>
           <p:nvPr>
-            <p:ph type="sldNum" idx="2"/>
+            <p:ph type="sldNum" idx="1"/>
           </p:nvPr>
         </p:nvSpPr>
         <p:spPr/>
         <p:txBody>
           <a:bodyPr/>
           <a:p>
-            <a:fld id="{1A316629-FF6B-45B6-BF15-65D9C034372C}" type="slidenum">
+            <a:fld id="{5B9A0B67-4CA1-42F8-96B2-1CEE46D460A1}" type="slidenum">
               <a:t>&lt;#&gt;</a:t>
             </a:fld>
           </a:p>
@@ -12494,7 +12341,7 @@
             <a:spLocks noGrp="1"/>
           </p:cNvSpPr>
           <p:nvPr>
-            <p:ph type="dt" idx="1"/>
+            <p:ph type="dt" idx="2"/>
           </p:nvPr>
         </p:nvSpPr>
         <p:spPr/>
@@ -12558,14 +12405,14 @@
             <a:noAutofit/>
           </a:bodyPr>
           <a:p>
-            <a:pPr indent="0">
+            <a:pPr indent="0" algn="ctr">
               <a:buNone/>
             </a:pPr>
-            <a:endParaRPr b="0" lang="en-GB" sz="4400" spc="-1" strike="noStrike">
+            <a:endParaRPr b="0" lang="en-US" sz="4400" spc="-1" strike="noStrike">
               <a:solidFill>
-                <a:srgbClr val="ffffff"/>
+                <a:srgbClr val="000000"/>
               </a:solidFill>
-              <a:latin typeface="Calibri"/>
+              <a:latin typeface="Arial"/>
             </a:endParaRPr>
           </a:p>
         </p:txBody>
@@ -12604,11 +12451,11 @@
               </a:spcBef>
               <a:buNone/>
             </a:pPr>
-            <a:endParaRPr b="0" lang="en-GB" sz="3200" spc="-1" strike="noStrike">
+            <a:endParaRPr b="0" lang="en-US" sz="3200" spc="-1" strike="noStrike">
               <a:solidFill>
                 <a:srgbClr val="000000"/>
               </a:solidFill>
-              <a:latin typeface="Calibri"/>
+              <a:latin typeface="Arial"/>
             </a:endParaRPr>
           </a:p>
         </p:txBody>
@@ -12647,11 +12494,11 @@
               </a:spcBef>
               <a:buNone/>
             </a:pPr>
-            <a:endParaRPr b="0" lang="en-GB" sz="3200" spc="-1" strike="noStrike">
+            <a:endParaRPr b="0" lang="en-US" sz="3200" spc="-1" strike="noStrike">
               <a:solidFill>
                 <a:srgbClr val="000000"/>
               </a:solidFill>
-              <a:latin typeface="Calibri"/>
+              <a:latin typeface="Arial"/>
             </a:endParaRPr>
           </a:p>
         </p:txBody>
@@ -12690,11 +12537,11 @@
               </a:spcBef>
               <a:buNone/>
             </a:pPr>
-            <a:endParaRPr b="0" lang="en-GB" sz="3200" spc="-1" strike="noStrike">
+            <a:endParaRPr b="0" lang="en-US" sz="3200" spc="-1" strike="noStrike">
               <a:solidFill>
                 <a:srgbClr val="000000"/>
               </a:solidFill>
-              <a:latin typeface="Calibri"/>
+              <a:latin typeface="Arial"/>
             </a:endParaRPr>
           </a:p>
         </p:txBody>
@@ -12706,14 +12553,14 @@
             <a:spLocks noGrp="1"/>
           </p:cNvSpPr>
           <p:nvPr>
-            <p:ph type="sldNum" idx="2"/>
+            <p:ph type="sldNum" idx="1"/>
           </p:nvPr>
         </p:nvSpPr>
         <p:spPr/>
         <p:txBody>
           <a:bodyPr/>
           <a:p>
-            <a:fld id="{8F48957F-EB68-4AC2-8187-7146A5BFB1B7}" type="slidenum">
+            <a:fld id="{70A393EB-F536-4DE1-9005-C2C86A9DCFDC}" type="slidenum">
               <a:t>&lt;#&gt;</a:t>
             </a:fld>
           </a:p>
@@ -12726,7 +12573,7 @@
             <a:spLocks noGrp="1"/>
           </p:cNvSpPr>
           <p:nvPr>
-            <p:ph type="dt" idx="1"/>
+            <p:ph type="dt" idx="2"/>
           </p:nvPr>
         </p:nvSpPr>
         <p:spPr/>
@@ -12778,7 +12625,7 @@
         <p:spPr>
           <a:xfrm>
             <a:off x="3124080" y="6354720"/>
-            <a:ext cx="2895120" cy="367920"/>
+            <a:ext cx="2894760" cy="367560"/>
           </a:xfrm>
           <a:prstGeom prst="rect">
             <a:avLst/>
@@ -12821,13 +12668,87 @@
             <a:spLocks noGrp="1"/>
           </p:cNvSpPr>
           <p:nvPr>
-            <p:ph type="dt" idx="1"/>
+            <p:ph type="sldNum" idx="1"/>
+          </p:nvPr>
+        </p:nvSpPr>
+        <p:spPr>
+          <a:xfrm>
+            <a:off x="6553080" y="6354720"/>
+            <a:ext cx="2131200" cy="366120"/>
+          </a:xfrm>
+          <a:prstGeom prst="rect">
+            <a:avLst/>
+          </a:prstGeom>
+          <a:noFill/>
+          <a:ln w="9360">
+            <a:noFill/>
+          </a:ln>
+        </p:spPr>
+        <p:txBody>
+          <a:bodyPr numCol="1" spcCol="0" lIns="90000" rIns="90000" tIns="46800" bIns="46800" anchor="ctr">
+            <a:noAutofit/>
+          </a:bodyPr>
+          <a:lstStyle>
+            <a:lvl1pPr indent="0">
+              <a:lnSpc>
+                <a:spcPct val="100000"/>
+              </a:lnSpc>
+              <a:buNone/>
+              <a:tabLst>
+                <a:tab algn="l" pos="0"/>
+              </a:tabLst>
+              <a:defRPr b="0" lang="ru-RU" sz="1400" spc="-1" strike="noStrike">
+                <a:solidFill>
+                  <a:srgbClr val="000000"/>
+                </a:solidFill>
+                <a:latin typeface="Calibri"/>
+                <a:ea typeface="DejaVu Sans"/>
+              </a:defRPr>
+            </a:lvl1pPr>
+          </a:lstStyle>
+          <a:p>
+            <a:pPr indent="0">
+              <a:lnSpc>
+                <a:spcPct val="100000"/>
+              </a:lnSpc>
+              <a:buNone/>
+              <a:tabLst>
+                <a:tab algn="l" pos="0"/>
+              </a:tabLst>
+            </a:pPr>
+            <a:fld id="{E3C2E70C-6337-4848-8D62-2A12D6BA7D4C}" type="slidenum">
+              <a:rPr b="0" lang="ru-RU" sz="1400" spc="-1" strike="noStrike">
+                <a:solidFill>
+                  <a:srgbClr val="000000"/>
+                </a:solidFill>
+                <a:latin typeface="Calibri"/>
+                <a:ea typeface="DejaVu Sans"/>
+              </a:rPr>
+              <a:t>2</a:t>
+            </a:fld>
+            <a:endParaRPr b="0" lang="en-US" sz="1400" spc="-1" strike="noStrike">
+              <a:solidFill>
+                <a:srgbClr val="000000"/>
+              </a:solidFill>
+              <a:latin typeface="Times New Roman"/>
+            </a:endParaRPr>
+          </a:p>
+        </p:txBody>
+      </p:sp>
+      <p:sp>
+        <p:nvSpPr>
+          <p:cNvPr id="2" name="PlaceHolder 2"/>
+          <p:cNvSpPr>
+            <a:spLocks noGrp="1"/>
+          </p:cNvSpPr>
+          <p:nvPr>
+            <p:ph type="dt" idx="2"/>
           </p:nvPr>
         </p:nvSpPr>
         <p:spPr>
           <a:xfrm>
             <a:off x="457200" y="6354720"/>
-            <a:ext cx="2131560" cy="366480"/>
+            <a:ext cx="2131200" cy="366120"/>
           </a:xfrm>
           <a:prstGeom prst="rect">
             <a:avLst/>
@@ -12876,102 +12797,6 @@
       </p:sp>
       <p:sp>
         <p:nvSpPr>
-          <p:cNvPr id="2" name="PlaceHolder 2"/>
-          <p:cNvSpPr>
-            <a:spLocks noGrp="1"/>
-          </p:cNvSpPr>
-          <p:nvPr>
-            <p:ph type="sldNum" idx="2"/>
-          </p:nvPr>
-        </p:nvSpPr>
-        <p:spPr>
-          <a:xfrm>
-            <a:off x="6553080" y="6354720"/>
-            <a:ext cx="2131560" cy="366480"/>
-          </a:xfrm>
-          <a:prstGeom prst="rect">
-            <a:avLst/>
-          </a:prstGeom>
-          <a:noFill/>
-          <a:ln w="9360">
-            <a:noFill/>
-          </a:ln>
-        </p:spPr>
-        <p:txBody>
-          <a:bodyPr numCol="1" spcCol="0" lIns="90000" rIns="90000" tIns="46800" bIns="46800" anchor="ctr">
-            <a:noAutofit/>
-          </a:bodyPr>
-          <a:lstStyle>
-            <a:lvl1pPr indent="0">
-              <a:lnSpc>
-                <a:spcPct val="100000"/>
-              </a:lnSpc>
-              <a:buNone/>
-              <a:tabLst>
-                <a:tab algn="l" pos="0"/>
-                <a:tab algn="l" pos="914400"/>
-                <a:tab algn="l" pos="1828800"/>
-                <a:tab algn="l" pos="2743200"/>
-                <a:tab algn="l" pos="3657600"/>
-                <a:tab algn="l" pos="4572000"/>
-                <a:tab algn="l" pos="5486400"/>
-                <a:tab algn="l" pos="6400800"/>
-                <a:tab algn="l" pos="7315200"/>
-                <a:tab algn="l" pos="8229600"/>
-                <a:tab algn="l" pos="9144000"/>
-                <a:tab algn="l" pos="10058400"/>
-              </a:tabLst>
-              <a:defRPr b="0" lang="ru-RU" sz="1400" spc="-1" strike="noStrike">
-                <a:solidFill>
-                  <a:srgbClr val="000000"/>
-                </a:solidFill>
-                <a:latin typeface="Calibri"/>
-                <a:ea typeface="DejaVu Sans"/>
-              </a:defRPr>
-            </a:lvl1pPr>
-          </a:lstStyle>
-          <a:p>
-            <a:pPr indent="0">
-              <a:lnSpc>
-                <a:spcPct val="100000"/>
-              </a:lnSpc>
-              <a:buNone/>
-              <a:tabLst>
-                <a:tab algn="l" pos="0"/>
-                <a:tab algn="l" pos="914400"/>
-                <a:tab algn="l" pos="1828800"/>
-                <a:tab algn="l" pos="2743200"/>
-                <a:tab algn="l" pos="3657600"/>
-                <a:tab algn="l" pos="4572000"/>
-                <a:tab algn="l" pos="5486400"/>
-                <a:tab algn="l" pos="6400800"/>
-                <a:tab algn="l" pos="7315200"/>
-                <a:tab algn="l" pos="8229600"/>
-                <a:tab algn="l" pos="9144000"/>
-                <a:tab algn="l" pos="10058400"/>
-              </a:tabLst>
-            </a:pPr>
-            <a:fld id="{B0AB94F5-36D4-4094-9F19-02E64DD56540}" type="slidenum">
-              <a:rPr b="0" lang="ru-RU" sz="1400" spc="-1" strike="noStrike">
-                <a:solidFill>
-                  <a:srgbClr val="000000"/>
-                </a:solidFill>
-                <a:latin typeface="Calibri"/>
-                <a:ea typeface="DejaVu Sans"/>
-              </a:rPr>
-              <a:t>7</a:t>
-            </a:fld>
-            <a:endParaRPr b="0" lang="en-US" sz="1400" spc="-1" strike="noStrike">
-              <a:solidFill>
-                <a:srgbClr val="000000"/>
-              </a:solidFill>
-              <a:latin typeface="Times New Roman"/>
-            </a:endParaRPr>
-          </a:p>
-        </p:txBody>
-      </p:sp>
-      <p:sp>
-        <p:nvSpPr>
           <p:cNvPr id="3" name="PlaceHolder 3"/>
           <p:cNvSpPr>
             <a:spLocks noGrp="1"/>
@@ -12998,23 +12823,32 @@
             <a:noAutofit/>
           </a:bodyPr>
           <a:p>
-            <a:pPr indent="0">
+            <a:pPr indent="0" algn="ctr">
               <a:buNone/>
             </a:pPr>
             <a:r>
-              <a:rPr b="0" lang="en-GB" sz="4400" spc="-1" strike="noStrike">
+              <a:rPr b="0" lang="en-US" sz="4400" spc="-1" strike="noStrike">
                 <a:solidFill>
-                  <a:srgbClr val="ffffff"/>
+                  <a:srgbClr val="000000"/>
                 </a:solidFill>
-                <a:latin typeface="Calibri"/>
+                <a:latin typeface="Arial"/>
               </a:rPr>
-              <a:t>Click to edit the title text format</a:t>
+              <a:t>Click to edit the </a:t>
             </a:r>
-            <a:endParaRPr b="0" lang="en-GB" sz="4400" spc="-1" strike="noStrike">
+            <a:r>
+              <a:rPr b="0" lang="en-US" sz="4400" spc="-1" strike="noStrike">
+                <a:solidFill>
+                  <a:srgbClr val="000000"/>
+                </a:solidFill>
+                <a:latin typeface="Arial"/>
+              </a:rPr>
+              <a:t>title text format</a:t>
+            </a:r>
+            <a:endParaRPr b="0" lang="en-US" sz="4400" spc="-1" strike="noStrike">
               <a:solidFill>
-                <a:srgbClr val="ffffff"/>
+                <a:srgbClr val="000000"/>
               </a:solidFill>
-              <a:latin typeface="Calibri"/>
+              <a:latin typeface="Arial"/>
             </a:endParaRPr>
           </a:p>
         </p:txBody>
@@ -13059,19 +12893,19 @@
               <a:buChar char=""/>
             </a:pPr>
             <a:r>
-              <a:rPr b="0" lang="en-GB" sz="3200" spc="-1" strike="noStrike">
+              <a:rPr b="0" lang="en-US" sz="3200" spc="-1" strike="noStrike">
                 <a:solidFill>
                   <a:srgbClr val="000000"/>
                 </a:solidFill>
-                <a:latin typeface="Calibri"/>
+                <a:latin typeface="Arial"/>
               </a:rPr>
               <a:t>Click to edit the outline text format</a:t>
             </a:r>
-            <a:endParaRPr b="0" lang="en-GB" sz="3200" spc="-1" strike="noStrike">
+            <a:endParaRPr b="0" lang="en-US" sz="3200" spc="-1" strike="noStrike">
               <a:solidFill>
                 <a:srgbClr val="000000"/>
               </a:solidFill>
-              <a:latin typeface="Calibri"/>
+              <a:latin typeface="Arial"/>
             </a:endParaRPr>
           </a:p>
           <a:p>
@@ -13087,19 +12921,19 @@
               <a:buChar char=""/>
             </a:pPr>
             <a:r>
-              <a:rPr b="0" lang="en-GB" sz="2400" spc="-1" strike="noStrike">
+              <a:rPr b="0" lang="en-US" sz="2800" spc="-1" strike="noStrike">
                 <a:solidFill>
                   <a:srgbClr val="000000"/>
                 </a:solidFill>
-                <a:latin typeface="Calibri"/>
+                <a:latin typeface="Arial"/>
               </a:rPr>
               <a:t>Second Outline Level</a:t>
             </a:r>
-            <a:endParaRPr b="0" lang="en-GB" sz="2400" spc="-1" strike="noStrike">
+            <a:endParaRPr b="0" lang="en-US" sz="2800" spc="-1" strike="noStrike">
               <a:solidFill>
                 <a:srgbClr val="000000"/>
               </a:solidFill>
-              <a:latin typeface="Calibri"/>
+              <a:latin typeface="Arial"/>
             </a:endParaRPr>
           </a:p>
           <a:p>
@@ -13115,19 +12949,19 @@
               <a:buChar char=""/>
             </a:pPr>
             <a:r>
-              <a:rPr b="0" lang="en-GB" sz="2000" spc="-1" strike="noStrike">
+              <a:rPr b="0" lang="en-US" sz="2400" spc="-1" strike="noStrike">
                 <a:solidFill>
                   <a:srgbClr val="000000"/>
                 </a:solidFill>
-                <a:latin typeface="Calibri"/>
+                <a:latin typeface="Arial"/>
               </a:rPr>
               <a:t>Third Outline Level</a:t>
             </a:r>
-            <a:endParaRPr b="0" lang="en-GB" sz="2000" spc="-1" strike="noStrike">
+            <a:endParaRPr b="0" lang="en-US" sz="2400" spc="-1" strike="noStrike">
               <a:solidFill>
                 <a:srgbClr val="000000"/>
               </a:solidFill>
-              <a:latin typeface="Calibri"/>
+              <a:latin typeface="Arial"/>
             </a:endParaRPr>
           </a:p>
           <a:p>
@@ -13143,19 +12977,19 @@
               <a:buChar char=""/>
             </a:pPr>
             <a:r>
-              <a:rPr b="0" lang="en-GB" sz="2000" spc="-1" strike="noStrike">
+              <a:rPr b="0" lang="en-US" sz="2000" spc="-1" strike="noStrike">
                 <a:solidFill>
                   <a:srgbClr val="000000"/>
                 </a:solidFill>
-                <a:latin typeface="Calibri"/>
+                <a:latin typeface="Arial"/>
               </a:rPr>
               <a:t>Fourth Outline Level</a:t>
             </a:r>
-            <a:endParaRPr b="0" lang="en-GB" sz="2000" spc="-1" strike="noStrike">
+            <a:endParaRPr b="0" lang="en-US" sz="2000" spc="-1" strike="noStrike">
               <a:solidFill>
                 <a:srgbClr val="000000"/>
               </a:solidFill>
-              <a:latin typeface="Calibri"/>
+              <a:latin typeface="Arial"/>
             </a:endParaRPr>
           </a:p>
           <a:p>
@@ -13171,19 +13005,19 @@
               <a:buChar char=""/>
             </a:pPr>
             <a:r>
-              <a:rPr b="0" lang="en-GB" sz="2000" spc="-1" strike="noStrike">
+              <a:rPr b="0" lang="en-US" sz="2000" spc="-1" strike="noStrike">
                 <a:solidFill>
                   <a:srgbClr val="000000"/>
                 </a:solidFill>
-                <a:latin typeface="Calibri"/>
+                <a:latin typeface="Arial"/>
               </a:rPr>
               <a:t>Fifth Outline Level</a:t>
             </a:r>
-            <a:endParaRPr b="0" lang="en-GB" sz="2000" spc="-1" strike="noStrike">
+            <a:endParaRPr b="0" lang="en-US" sz="2000" spc="-1" strike="noStrike">
               <a:solidFill>
                 <a:srgbClr val="000000"/>
               </a:solidFill>
-              <a:latin typeface="Calibri"/>
+              <a:latin typeface="Arial"/>
             </a:endParaRPr>
           </a:p>
           <a:p>
@@ -13199,19 +13033,19 @@
               <a:buChar char=""/>
             </a:pPr>
             <a:r>
-              <a:rPr b="0" lang="en-GB" sz="2000" spc="-1" strike="noStrike">
+              <a:rPr b="0" lang="en-US" sz="2000" spc="-1" strike="noStrike">
                 <a:solidFill>
                   <a:srgbClr val="000000"/>
                 </a:solidFill>
-                <a:latin typeface="Calibri"/>
+                <a:latin typeface="Arial"/>
               </a:rPr>
               <a:t>Sixth Outline Level</a:t>
             </a:r>
-            <a:endParaRPr b="0" lang="en-GB" sz="2000" spc="-1" strike="noStrike">
+            <a:endParaRPr b="0" lang="en-US" sz="2000" spc="-1" strike="noStrike">
               <a:solidFill>
                 <a:srgbClr val="000000"/>
               </a:solidFill>
-              <a:latin typeface="Calibri"/>
+              <a:latin typeface="Arial"/>
             </a:endParaRPr>
           </a:p>
           <a:p>
@@ -13227,19 +13061,19 @@
               <a:buChar char=""/>
             </a:pPr>
             <a:r>
-              <a:rPr b="0" lang="en-GB" sz="2000" spc="-1" strike="noStrike">
+              <a:rPr b="0" lang="en-US" sz="2000" spc="-1" strike="noStrike">
                 <a:solidFill>
                   <a:srgbClr val="000000"/>
                 </a:solidFill>
-                <a:latin typeface="Calibri"/>
+                <a:latin typeface="Arial"/>
               </a:rPr>
               <a:t>Seventh Outline Level</a:t>
             </a:r>
-            <a:endParaRPr b="0" lang="en-GB" sz="2000" spc="-1" strike="noStrike">
+            <a:endParaRPr b="0" lang="en-US" sz="2000" spc="-1" strike="noStrike">
               <a:solidFill>
                 <a:srgbClr val="000000"/>
               </a:solidFill>
-              <a:latin typeface="Calibri"/>
+              <a:latin typeface="Arial"/>
             </a:endParaRPr>
           </a:p>
         </p:txBody>
@@ -13290,7 +13124,7 @@
         <p:spPr>
           <a:xfrm>
             <a:off x="428760" y="357120"/>
-            <a:ext cx="8429400" cy="1586880"/>
+            <a:ext cx="8429040" cy="1585440"/>
           </a:xfrm>
           <a:prstGeom prst="roundRect">
             <a:avLst>
@@ -13322,7 +13156,7 @@
           <a:fontRef idx="minor"/>
         </p:style>
         <p:txBody>
-          <a:bodyPr anchor="t">
+          <a:bodyPr lIns="90000" rIns="90000" tIns="45000" bIns="45000" anchor="t">
             <a:spAutoFit/>
             <a:scene3d>
               <a:camera prst="orthographicFront"/>
@@ -13415,29 +13249,6 @@
           </a:p>
         </p:txBody>
       </p:sp>
-      <p:pic>
-        <p:nvPicPr>
-          <p:cNvPr id="48" name="Picture 2" descr=""/>
-          <p:cNvPicPr/>
-          <p:nvPr/>
-        </p:nvPicPr>
-        <p:blipFill>
-          <a:blip r:embed="rId1"/>
-          <a:stretch/>
-        </p:blipFill>
-        <p:spPr>
-          <a:xfrm>
-            <a:off x="1000080" y="2357280"/>
-            <a:ext cx="7143480" cy="4082760"/>
-          </a:xfrm>
-          <a:prstGeom prst="rect">
-            <a:avLst/>
-          </a:prstGeom>
-          <a:ln w="9525">
-            <a:noFill/>
-          </a:ln>
-        </p:spPr>
-      </p:pic>
     </p:spTree>
   </p:cSld>
   <mc:AlternateContent>
@@ -13470,14 +13281,14 @@
       </p:grpSpPr>
       <p:sp>
         <p:nvSpPr>
-          <p:cNvPr id="49" name="Text Box 3"/>
+          <p:cNvPr id="48" name="Text Box 3"/>
           <p:cNvSpPr/>
           <p:nvPr/>
         </p:nvSpPr>
         <p:spPr>
           <a:xfrm>
             <a:off x="285840" y="6337440"/>
-            <a:ext cx="4038120" cy="519840"/>
+            <a:ext cx="4037760" cy="519840"/>
           </a:xfrm>
           <a:prstGeom prst="rect">
             <a:avLst/>
@@ -13543,14 +13354,14 @@
           <p:nvPr>
             <p:extLst>
               <p:ext uri="{D42A27DB-BD31-4B8C-83A1-F6EECF244321}">
-                <p14:modId xmlns:p14="http://schemas.microsoft.com/office/powerpoint/2010/main" val="1647126213"/>
+                <p14:modId xmlns:p14="http://schemas.microsoft.com/office/powerpoint/2010/main" val="1412330820"/>
               </p:ext>
             </p:extLst>
           </p:nvPr>
         </p:nvGraphicFramePr>
         <p:xfrm>
           <a:off x="285840" y="285840"/>
-          <a:ext cx="4071600" cy="2857320"/>
+          <a:ext cx="4071240" cy="2856960"/>
         </p:xfrm>
         <a:graphic>
           <a:graphicData uri="http://schemas.openxmlformats.org/drawingml/2006/diagram">
@@ -13558,39 +13369,16 @@
           </a:graphicData>
         </a:graphic>
       </p:graphicFrame>
-      <p:pic>
-        <p:nvPicPr>
-          <p:cNvPr id="50" name="Picture 2" descr=""/>
-          <p:cNvPicPr/>
-          <p:nvPr/>
-        </p:nvPicPr>
-        <p:blipFill>
-          <a:blip r:embed="rId5"/>
-          <a:stretch/>
-        </p:blipFill>
-        <p:spPr>
-          <a:xfrm>
-            <a:off x="428760" y="3286080"/>
-            <a:ext cx="3785760" cy="2952360"/>
-          </a:xfrm>
-          <a:prstGeom prst="rect">
-            <a:avLst/>
-          </a:prstGeom>
-          <a:ln w="9525">
-            <a:noFill/>
-          </a:ln>
-        </p:spPr>
-      </p:pic>
       <p:sp>
         <p:nvSpPr>
-          <p:cNvPr id="51" name="TextBox 5"/>
+          <p:cNvPr id="49" name="TextBox 5"/>
           <p:cNvSpPr/>
           <p:nvPr/>
         </p:nvSpPr>
         <p:spPr>
           <a:xfrm>
             <a:off x="4572000" y="214200"/>
-            <a:ext cx="4428720" cy="6431400"/>
+            <a:ext cx="4428360" cy="6431400"/>
           </a:xfrm>
           <a:prstGeom prst="rect">
             <a:avLst/>
@@ -13805,7 +13593,7 @@
                                           </p:stCondLst>
                                         </p:cTn>
                                         <p:tgtEl>
-                                          <p:spTgt spid="49">
+                                          <p:spTgt spid="48">
                                             <p:txEl>
                                               <p:pRg st="0" end="0"/>
                                             </p:txEl>
@@ -13823,7 +13611,7 @@
                                       <p:cBhvr additive="repl">
                                         <p:cTn id="7" dur="1000" fill="hold"/>
                                         <p:tgtEl>
-                                          <p:spTgt spid="49">
+                                          <p:spTgt spid="48">
                                             <p:txEl>
                                               <p:pRg st="0" end="0"/>
                                             </p:txEl>
@@ -13850,7 +13638,7 @@
                                       <p:cBhvr additive="repl">
                                         <p:cTn id="8" dur="1000" fill="hold"/>
                                         <p:tgtEl>
-                                          <p:spTgt spid="49">
+                                          <p:spTgt spid="48">
                                             <p:txEl>
                                               <p:pRg st="0" end="0"/>
                                             </p:txEl>
@@ -13882,11 +13670,11 @@
                         <p:par>
                           <p:cTn id="9" fill="hold">
                             <p:stCondLst>
-                              <p:cond delay="1000"/>
+                              <p:cond delay="3000"/>
                             </p:stCondLst>
                             <p:childTnLst>
                               <p:par>
-                                <p:cTn id="10" nodeType="afterEffect" fill="hold" presetClass="entr" presetID="10">
+                                <p:cTn id="10" nodeType="afterEffect" fill="hold" presetClass="entr" presetID="22" presetSubtype="1">
                                   <p:stCondLst>
                                     <p:cond delay="0"/>
                                   </p:stCondLst>
@@ -13899,51 +13687,7 @@
                                           </p:stCondLst>
                                         </p:cTn>
                                         <p:tgtEl>
-                                          <p:spTgt spid="-1"/>
-                                        </p:tgtEl>
-                                        <p:attrNameLst>
-                                          <p:attrName>style.visibility</p:attrName>
-                                        </p:attrNameLst>
-                                      </p:cBhvr>
-                                      <p:to>
-                                        <p:strVal val="visible"/>
-                                      </p:to>
-                                    </p:set>
-                                    <p:animEffect filter="fade" transition="in">
-                                      <p:cBhvr additive="repl">
-                                        <p:cTn id="12" dur="2000"/>
-                                        <p:tgtEl>
-                                          <p:spTgt spid="-1"/>
-                                        </p:tgtEl>
-                                      </p:cBhvr>
-                                    </p:animEffect>
-                                  </p:childTnLst>
-                                </p:cTn>
-                              </p:par>
-                            </p:childTnLst>
-                          </p:cTn>
-                        </p:par>
-                        <p:par>
-                          <p:cTn id="13" fill="hold">
-                            <p:stCondLst>
-                              <p:cond delay="3000"/>
-                            </p:stCondLst>
-                            <p:childTnLst>
-                              <p:par>
-                                <p:cTn id="14" nodeType="afterEffect" fill="hold" presetClass="entr" presetID="22" presetSubtype="1">
-                                  <p:stCondLst>
-                                    <p:cond delay="0"/>
-                                  </p:stCondLst>
-                                  <p:childTnLst>
-                                    <p:set>
-                                      <p:cBhvr>
-                                        <p:cTn id="15" dur="1" fill="hold">
-                                          <p:stCondLst>
-                                            <p:cond delay="0"/>
-                                          </p:stCondLst>
-                                        </p:cTn>
-                                        <p:tgtEl>
-                                          <p:spTgt spid="51"/>
+                                          <p:spTgt spid="49"/>
                                         </p:tgtEl>
                                         <p:attrNameLst>
                                           <p:attrName>style.visibility</p:attrName>
@@ -13955,9 +13699,9 @@
                                     </p:set>
                                     <p:animEffect filter="wipe(up)" transition="in">
                                       <p:cBhvr additive="repl">
-                                        <p:cTn id="16" dur="2000"/>
+                                        <p:cTn id="12" dur="2000"/>
                                         <p:tgtEl>
-                                          <p:spTgt spid="51"/>
+                                          <p:spTgt spid="49"/>
                                         </p:tgtEl>
                                       </p:cBhvr>
                                     </p:animEffect>
@@ -14014,14 +13758,14 @@
       </p:grpSpPr>
       <p:sp>
         <p:nvSpPr>
-          <p:cNvPr id="52" name="Text Box 1"/>
+          <p:cNvPr id="50" name="Text Box 1"/>
           <p:cNvSpPr/>
           <p:nvPr/>
         </p:nvSpPr>
         <p:spPr>
           <a:xfrm>
             <a:off x="1928880" y="214200"/>
-            <a:ext cx="5285880" cy="701280"/>
+            <a:ext cx="5285520" cy="700920"/>
           </a:xfrm>
           <a:prstGeom prst="roundRect">
             <a:avLst>
@@ -14109,7 +13853,7 @@
       </p:sp>
       <p:pic>
         <p:nvPicPr>
-          <p:cNvPr id="53" name="Picture 2" descr=""/>
+          <p:cNvPr id="51" name="Picture 2" descr=""/>
           <p:cNvPicPr/>
           <p:nvPr/>
         </p:nvPicPr>
@@ -14120,7 +13864,7 @@
         <p:spPr>
           <a:xfrm>
             <a:off x="857160" y="1285920"/>
-            <a:ext cx="7429320" cy="5297760"/>
+            <a:ext cx="7428960" cy="5297400"/>
           </a:xfrm>
           <a:prstGeom prst="rect">
             <a:avLst/>
@@ -14162,14 +13906,14 @@
       </p:grpSpPr>
       <p:sp>
         <p:nvSpPr>
-          <p:cNvPr id="54" name="Text Box 1"/>
+          <p:cNvPr id="52" name="Text Box 1"/>
           <p:cNvSpPr/>
           <p:nvPr/>
         </p:nvSpPr>
         <p:spPr>
           <a:xfrm>
             <a:off x="1357200" y="214200"/>
-            <a:ext cx="6357600" cy="571320"/>
+            <a:ext cx="6357240" cy="570960"/>
           </a:xfrm>
           <a:prstGeom prst="roundRect">
             <a:avLst>
@@ -14257,7 +14001,7 @@
       </p:sp>
       <p:pic>
         <p:nvPicPr>
-          <p:cNvPr id="55" name="Picture 3" descr=""/>
+          <p:cNvPr id="53" name="Picture 3" descr=""/>
           <p:cNvPicPr/>
           <p:nvPr/>
         </p:nvPicPr>
@@ -14268,7 +14012,7 @@
         <p:spPr>
           <a:xfrm>
             <a:off x="785880" y="1000080"/>
-            <a:ext cx="7657920" cy="5643360"/>
+            <a:ext cx="7657560" cy="5643000"/>
           </a:xfrm>
           <a:prstGeom prst="rect">
             <a:avLst/>
@@ -14310,14 +14054,14 @@
       </p:grpSpPr>
       <p:sp>
         <p:nvSpPr>
-          <p:cNvPr id="56" name="Text Box 1"/>
+          <p:cNvPr id="54" name="Text Box 1"/>
           <p:cNvSpPr/>
           <p:nvPr/>
         </p:nvSpPr>
         <p:spPr>
           <a:xfrm>
             <a:off x="2357280" y="274680"/>
-            <a:ext cx="4571640" cy="1010880"/>
+            <a:ext cx="4571280" cy="1010520"/>
           </a:xfrm>
           <a:prstGeom prst="roundRect">
             <a:avLst>
@@ -14410,14 +14154,14 @@
           <p:nvPr>
             <p:extLst>
               <p:ext uri="{D42A27DB-BD31-4B8C-83A1-F6EECF244321}">
-                <p14:modId xmlns:p14="http://schemas.microsoft.com/office/powerpoint/2010/main" val="2172978062"/>
+                <p14:modId xmlns:p14="http://schemas.microsoft.com/office/powerpoint/2010/main" val="1454360182"/>
               </p:ext>
             </p:extLst>
           </p:nvPr>
         </p:nvGraphicFramePr>
         <p:xfrm>
           <a:off x="4929120" y="1568520"/>
-          <a:ext cx="3857400" cy="3431880"/>
+          <a:ext cx="3857040" cy="3431520"/>
         </p:xfrm>
         <a:graphic>
           <a:graphicData uri="http://schemas.openxmlformats.org/drawingml/2006/diagram">
@@ -14427,7 +14171,7 @@
       </p:graphicFrame>
       <p:pic>
         <p:nvPicPr>
-          <p:cNvPr id="57" name="Picture 2" descr="C:\Users\witya\Desktop\Безымянный.jpg"/>
+          <p:cNvPr id="55" name="Picture 2" descr="C:\Users\witya\Desktop\Безымянный.jpg"/>
           <p:cNvPicPr/>
           <p:nvPr/>
         </p:nvPicPr>
@@ -14437,8 +14181,8 @@
         </p:blipFill>
         <p:spPr>
           <a:xfrm rot="5400000">
-            <a:off x="-25920" y="2405880"/>
-            <a:ext cx="5052960" cy="3428640"/>
+            <a:off x="-25560" y="2405520"/>
+            <a:ext cx="5052600" cy="3428280"/>
           </a:xfrm>
           <a:prstGeom prst="rect">
             <a:avLst/>
@@ -14480,14 +14224,14 @@
       </p:grpSpPr>
       <p:sp>
         <p:nvSpPr>
-          <p:cNvPr id="58" name="Text Box 1"/>
+          <p:cNvPr id="56" name="Text Box 1"/>
           <p:cNvSpPr/>
           <p:nvPr/>
         </p:nvSpPr>
         <p:spPr>
           <a:xfrm>
             <a:off x="2500200" y="214200"/>
-            <a:ext cx="4357440" cy="1010880"/>
+            <a:ext cx="4357080" cy="1010520"/>
           </a:xfrm>
           <a:prstGeom prst="roundRect">
             <a:avLst>
@@ -14575,7 +14319,7 @@
       </p:sp>
       <p:pic>
         <p:nvPicPr>
-          <p:cNvPr id="59" name="Picture 2" descr="C:\Users\witya\Desktop\IMG_20150403_101909.jpg"/>
+          <p:cNvPr id="57" name="Picture 2" descr="C:\Users\witya\Desktop\IMG_20150403_101909.jpg"/>
           <p:cNvPicPr/>
           <p:nvPr/>
         </p:nvPicPr>
@@ -14586,7 +14330,7 @@
         <p:spPr>
           <a:xfrm>
             <a:off x="1428840" y="1500120"/>
-            <a:ext cx="6643440" cy="4982400"/>
+            <a:ext cx="6643080" cy="4982040"/>
           </a:xfrm>
           <a:prstGeom prst="rect">
             <a:avLst/>
@@ -14598,7 +14342,7 @@
       </p:pic>
       <p:pic>
         <p:nvPicPr>
-          <p:cNvPr id="60" name="Picture 3" descr="C:\Users\witya\Desktop\IMG_20150403_102345.jpg"/>
+          <p:cNvPr id="58" name="Picture 3" descr="C:\Users\witya\Desktop\IMG_20150403_102345.jpg"/>
           <p:cNvPicPr/>
           <p:nvPr/>
         </p:nvPicPr>
@@ -14608,8 +14352,8 @@
         </p:blipFill>
         <p:spPr>
           <a:xfrm rot="16200000">
-            <a:off x="2036520" y="249840"/>
-            <a:ext cx="5168160" cy="7669440"/>
+            <a:off x="2036520" y="250200"/>
+            <a:ext cx="5167800" cy="7669080"/>
           </a:xfrm>
           <a:prstGeom prst="rect">
             <a:avLst/>
@@ -14632,38 +14376,38 @@
   <p:timing>
     <p:tnLst>
       <p:par>
-        <p:cTn id="17" dur="indefinite" restart="never" nodeType="tmRoot">
+        <p:cTn id="13" dur="indefinite" restart="never" nodeType="tmRoot">
           <p:childTnLst>
             <p:seq>
-              <p:cTn id="18" dur="indefinite" nodeType="mainSeq">
+              <p:cTn id="14" dur="indefinite" nodeType="mainSeq">
                 <p:childTnLst>
                   <p:par>
-                    <p:cTn id="19" fill="hold">
+                    <p:cTn id="15" fill="hold">
                       <p:stCondLst>
                         <p:cond delay="0"/>
                       </p:stCondLst>
                       <p:childTnLst>
                         <p:par>
-                          <p:cTn id="20" fill="hold">
+                          <p:cTn id="16" fill="hold">
                             <p:stCondLst>
                               <p:cond delay="0"/>
                             </p:stCondLst>
                             <p:childTnLst>
                               <p:par>
-                                <p:cTn id="21" nodeType="afterEffect" fill="hold" presetClass="entr" presetID="10">
+                                <p:cTn id="17" nodeType="afterEffect" fill="hold" presetClass="entr" presetID="10">
                                   <p:stCondLst>
                                     <p:cond delay="0"/>
                                   </p:stCondLst>
                                   <p:childTnLst>
                                     <p:set>
                                       <p:cBhvr>
-                                        <p:cTn id="22" dur="1" fill="hold">
+                                        <p:cTn id="18" dur="1" fill="hold">
                                           <p:stCondLst>
                                             <p:cond delay="0"/>
                                           </p:stCondLst>
                                         </p:cTn>
                                         <p:tgtEl>
-                                          <p:spTgt spid="59"/>
+                                          <p:spTgt spid="57"/>
                                         </p:tgtEl>
                                         <p:attrNameLst>
                                           <p:attrName>style.visibility</p:attrName>
@@ -14675,9 +14419,9 @@
                                     </p:set>
                                     <p:animEffect filter="fade" transition="in">
                                       <p:cBhvr additive="repl">
-                                        <p:cTn id="23" dur="2000"/>
+                                        <p:cTn id="19" dur="2000"/>
                                         <p:tgtEl>
-                                          <p:spTgt spid="59"/>
+                                          <p:spTgt spid="57"/>
                                         </p:tgtEl>
                                       </p:cBhvr>
                                     </p:animEffect>
@@ -14688,34 +14432,34 @@
                           </p:cTn>
                         </p:par>
                         <p:par>
-                          <p:cTn id="24" fill="hold">
+                          <p:cTn id="20" fill="hold">
                             <p:stCondLst>
                               <p:cond delay="2000"/>
                             </p:stCondLst>
                             <p:childTnLst>
                               <p:par>
-                                <p:cTn id="25" nodeType="afterEffect" fill="hold" presetClass="exit" presetID="12" presetSubtype="4">
+                                <p:cTn id="21" nodeType="afterEffect" fill="hold" presetClass="exit" presetID="12" presetSubtype="4">
                                   <p:stCondLst>
                                     <p:cond delay="4000"/>
                                   </p:stCondLst>
                                   <p:childTnLst>
                                     <p:animEffect filter="slide(fromBottom)" transition="out">
                                       <p:cBhvr additive="repl">
-                                        <p:cTn id="26" dur="500"/>
+                                        <p:cTn id="22" dur="500"/>
                                         <p:tgtEl>
-                                          <p:spTgt spid="59"/>
+                                          <p:spTgt spid="57"/>
                                         </p:tgtEl>
                                       </p:cBhvr>
                                     </p:animEffect>
                                     <p:set>
                                       <p:cBhvr>
-                                        <p:cTn id="27" dur="1" fill="hold">
+                                        <p:cTn id="23" dur="1" fill="hold">
                                           <p:stCondLst>
                                             <p:cond delay="499"/>
                                           </p:stCondLst>
                                         </p:cTn>
                                         <p:tgtEl>
-                                          <p:spTgt spid="59"/>
+                                          <p:spTgt spid="57"/>
                                         </p:tgtEl>
                                         <p:attrNameLst>
                                           <p:attrName>style.visibility</p:attrName>
@@ -14732,26 +14476,26 @@
                           </p:cTn>
                         </p:par>
                         <p:par>
-                          <p:cTn id="28" fill="hold">
+                          <p:cTn id="24" fill="hold">
                             <p:stCondLst>
                               <p:cond delay="6500"/>
                             </p:stCondLst>
                             <p:childTnLst>
                               <p:par>
-                                <p:cTn id="29" nodeType="afterEffect" fill="hold" presetClass="entr" presetID="2" presetSubtype="4">
+                                <p:cTn id="25" nodeType="afterEffect" fill="hold" presetClass="entr" presetID="2" presetSubtype="4">
                                   <p:stCondLst>
                                     <p:cond delay="0"/>
                                   </p:stCondLst>
                                   <p:childTnLst>
                                     <p:set>
                                       <p:cBhvr>
-                                        <p:cTn id="30" dur="1" fill="hold">
+                                        <p:cTn id="26" dur="1" fill="hold">
                                           <p:stCondLst>
                                             <p:cond delay="0"/>
                                           </p:stCondLst>
                                         </p:cTn>
                                         <p:tgtEl>
-                                          <p:spTgt spid="60"/>
+                                          <p:spTgt spid="58"/>
                                         </p:tgtEl>
                                         <p:attrNameLst>
                                           <p:attrName>style.visibility</p:attrName>
@@ -14763,9 +14507,9 @@
                                     </p:set>
                                     <p:anim calcmode="lin" valueType="num">
                                       <p:cBhvr additive="repl">
-                                        <p:cTn id="31" dur="2000" fill="hold"/>
+                                        <p:cTn id="27" dur="2000" fill="hold"/>
                                         <p:tgtEl>
-                                          <p:spTgt spid="60"/>
+                                          <p:spTgt spid="58"/>
                                         </p:tgtEl>
                                         <p:attrNameLst>
                                           <p:attrName>ppt_x</p:attrName>
@@ -14786,9 +14530,9 @@
                                     </p:anim>
                                     <p:anim calcmode="lin" valueType="num">
                                       <p:cBhvr additive="repl">
-                                        <p:cTn id="32" dur="2000" fill="hold"/>
+                                        <p:cTn id="28" dur="2000" fill="hold"/>
                                         <p:tgtEl>
-                                          <p:spTgt spid="60"/>
+                                          <p:spTgt spid="58"/>
                                         </p:tgtEl>
                                         <p:attrNameLst>
                                           <p:attrName>ppt_y</p:attrName>
@@ -14860,14 +14604,14 @@
       </p:grpSpPr>
       <p:sp>
         <p:nvSpPr>
-          <p:cNvPr id="61" name="Text Box 1"/>
+          <p:cNvPr id="59" name="Text Box 1"/>
           <p:cNvSpPr/>
           <p:nvPr/>
         </p:nvSpPr>
         <p:spPr>
           <a:xfrm>
             <a:off x="1071360" y="190440"/>
-            <a:ext cx="7000560" cy="880560"/>
+            <a:ext cx="7000200" cy="880200"/>
           </a:xfrm>
           <a:prstGeom prst="roundRect">
             <a:avLst>
@@ -14960,14 +14704,14 @@
           <p:nvPr>
             <p:extLst>
               <p:ext uri="{D42A27DB-BD31-4B8C-83A1-F6EECF244321}">
-                <p14:modId xmlns:p14="http://schemas.microsoft.com/office/powerpoint/2010/main" val="2052319270"/>
+                <p14:modId xmlns:p14="http://schemas.microsoft.com/office/powerpoint/2010/main" val="2105145819"/>
               </p:ext>
             </p:extLst>
           </p:nvPr>
         </p:nvGraphicFramePr>
         <p:xfrm>
           <a:off x="214200" y="1600200"/>
-          <a:ext cx="3928680" cy="4614480"/>
+          <a:ext cx="3928320" cy="4614120"/>
         </p:xfrm>
         <a:graphic>
           <a:graphicData uri="http://schemas.openxmlformats.org/drawingml/2006/diagram">
@@ -14982,14 +14726,14 @@
           <p:nvPr>
             <p:extLst>
               <p:ext uri="{D42A27DB-BD31-4B8C-83A1-F6EECF244321}">
-                <p14:modId xmlns:p14="http://schemas.microsoft.com/office/powerpoint/2010/main" val="80956268"/>
+                <p14:modId xmlns:p14="http://schemas.microsoft.com/office/powerpoint/2010/main" val="2494007796"/>
               </p:ext>
             </p:extLst>
           </p:nvPr>
         </p:nvGraphicFramePr>
         <p:xfrm>
           <a:off x="4429080" y="1643040"/>
-          <a:ext cx="3928680" cy="2214360"/>
+          <a:ext cx="3928320" cy="2214000"/>
         </p:xfrm>
         <a:graphic>
           <a:graphicData uri="http://schemas.openxmlformats.org/drawingml/2006/diagram">
@@ -14999,7 +14743,7 @@
       </p:graphicFrame>
       <p:pic>
         <p:nvPicPr>
-          <p:cNvPr id="62" name="Picture 2" descr=""/>
+          <p:cNvPr id="60" name="Picture 2" descr=""/>
           <p:cNvPicPr/>
           <p:nvPr/>
         </p:nvPicPr>
@@ -15010,7 +14754,7 @@
         <p:spPr>
           <a:xfrm>
             <a:off x="0" y="1285920"/>
-            <a:ext cx="9143640" cy="5071680"/>
+            <a:ext cx="9143280" cy="5071320"/>
           </a:xfrm>
           <a:prstGeom prst="rect">
             <a:avLst/>
@@ -15022,14 +14766,14 @@
       </p:pic>
       <p:sp>
         <p:nvSpPr>
-          <p:cNvPr id="63" name="TextBox 11"/>
+          <p:cNvPr id="61" name="TextBox 11"/>
           <p:cNvSpPr/>
           <p:nvPr/>
         </p:nvSpPr>
         <p:spPr>
           <a:xfrm>
             <a:off x="2019240" y="6458040"/>
-            <a:ext cx="4812480" cy="394560"/>
+            <a:ext cx="4812120" cy="394560"/>
           </a:xfrm>
           <a:prstGeom prst="rect">
             <a:avLst/>
@@ -15117,38 +14861,38 @@
   <p:timing>
     <p:tnLst>
       <p:par>
-        <p:cTn id="33" dur="indefinite" restart="never" nodeType="tmRoot">
+        <p:cTn id="29" dur="indefinite" restart="never" nodeType="tmRoot">
           <p:childTnLst>
             <p:seq>
-              <p:cTn id="34" dur="indefinite" nodeType="mainSeq">
+              <p:cTn id="30" dur="indefinite" nodeType="mainSeq">
                 <p:childTnLst>
                   <p:par>
-                    <p:cTn id="35" fill="hold">
+                    <p:cTn id="31" fill="hold">
                       <p:stCondLst>
                         <p:cond delay="indefinite"/>
                       </p:stCondLst>
                       <p:childTnLst>
                         <p:par>
-                          <p:cTn id="36" fill="hold">
+                          <p:cTn id="32" fill="hold">
                             <p:stCondLst>
                               <p:cond delay="0"/>
                             </p:stCondLst>
                             <p:childTnLst>
                               <p:par>
-                                <p:cTn id="37" nodeType="clickEffect" fill="hold" presetClass="entr" presetID="53">
+                                <p:cTn id="33" nodeType="clickEffect" fill="hold" presetClass="entr" presetID="53">
                                   <p:stCondLst>
                                     <p:cond delay="0"/>
                                   </p:stCondLst>
                                   <p:childTnLst>
                                     <p:set>
                                       <p:cBhvr>
-                                        <p:cTn id="38" dur="1" fill="hold">
+                                        <p:cTn id="34" dur="1" fill="hold">
                                           <p:stCondLst>
                                             <p:cond delay="0"/>
                                           </p:stCondLst>
                                         </p:cTn>
                                         <p:tgtEl>
-                                          <p:spTgt spid="63"/>
+                                          <p:spTgt spid="61"/>
                                         </p:tgtEl>
                                         <p:attrNameLst>
                                           <p:attrName>style.visibility</p:attrName>
@@ -15160,9 +14904,9 @@
                                     </p:set>
                                     <p:anim calcmode="lin" valueType="num">
                                       <p:cBhvr additive="repl">
-                                        <p:cTn id="39" dur="500" fill="hold"/>
+                                        <p:cTn id="35" dur="500" fill="hold"/>
                                         <p:tgtEl>
-                                          <p:spTgt spid="63"/>
+                                          <p:spTgt spid="61"/>
                                         </p:tgtEl>
                                         <p:attrNameLst>
                                           <p:attrName>ppt_w</p:attrName>
@@ -15183,9 +14927,9 @@
                                     </p:anim>
                                     <p:anim calcmode="lin" valueType="num">
                                       <p:cBhvr additive="repl">
-                                        <p:cTn id="40" dur="500" fill="hold"/>
+                                        <p:cTn id="36" dur="500" fill="hold"/>
                                         <p:tgtEl>
-                                          <p:spTgt spid="63"/>
+                                          <p:spTgt spid="61"/>
                                         </p:tgtEl>
                                         <p:attrNameLst>
                                           <p:attrName>ppt_h</p:attrName>
@@ -15206,9 +14950,9 @@
                                     </p:anim>
                                     <p:animEffect filter="fade" transition="in">
                                       <p:cBhvr additive="repl">
-                                        <p:cTn id="41" dur="500"/>
+                                        <p:cTn id="37" dur="500"/>
                                         <p:tgtEl>
-                                          <p:spTgt spid="63"/>
+                                          <p:spTgt spid="61"/>
                                         </p:tgtEl>
                                       </p:cBhvr>
                                     </p:animEffect>
@@ -15216,20 +14960,20 @@
                                 </p:cTn>
                               </p:par>
                               <p:par>
-                                <p:cTn id="42" nodeType="withEffect" fill="hold" presetClass="entr" presetID="53">
+                                <p:cTn id="38" nodeType="withEffect" fill="hold" presetClass="entr" presetID="53">
                                   <p:stCondLst>
                                     <p:cond delay="0"/>
                                   </p:stCondLst>
                                   <p:childTnLst>
                                     <p:set>
                                       <p:cBhvr>
-                                        <p:cTn id="43" dur="1" fill="hold">
+                                        <p:cTn id="39" dur="1" fill="hold">
                                           <p:stCondLst>
                                             <p:cond delay="0"/>
                                           </p:stCondLst>
                                         </p:cTn>
                                         <p:tgtEl>
-                                          <p:spTgt spid="62"/>
+                                          <p:spTgt spid="60"/>
                                         </p:tgtEl>
                                         <p:attrNameLst>
                                           <p:attrName>style.visibility</p:attrName>
@@ -15241,9 +14985,9 @@
                                     </p:set>
                                     <p:anim calcmode="lin" valueType="num">
                                       <p:cBhvr additive="repl">
-                                        <p:cTn id="44" dur="500" fill="hold"/>
+                                        <p:cTn id="40" dur="500" fill="hold"/>
                                         <p:tgtEl>
-                                          <p:spTgt spid="62"/>
+                                          <p:spTgt spid="60"/>
                                         </p:tgtEl>
                                         <p:attrNameLst>
                                           <p:attrName>ppt_w</p:attrName>
@@ -15264,9 +15008,9 @@
                                     </p:anim>
                                     <p:anim calcmode="lin" valueType="num">
                                       <p:cBhvr additive="repl">
-                                        <p:cTn id="45" dur="500" fill="hold"/>
+                                        <p:cTn id="41" dur="500" fill="hold"/>
                                         <p:tgtEl>
-                                          <p:spTgt spid="62"/>
+                                          <p:spTgt spid="60"/>
                                         </p:tgtEl>
                                         <p:attrNameLst>
                                           <p:attrName>ppt_h</p:attrName>
@@ -15287,9 +15031,9 @@
                                     </p:anim>
                                     <p:animEffect filter="fade" transition="in">
                                       <p:cBhvr additive="repl">
-                                        <p:cTn id="46" dur="500"/>
+                                        <p:cTn id="42" dur="500"/>
                                         <p:tgtEl>
-                                          <p:spTgt spid="62"/>
+                                          <p:spTgt spid="60"/>
                                         </p:tgtEl>
                                       </p:cBhvr>
                                     </p:animEffect>
